--- a/reports/presentations/Uchicago_LNM_Twitter_Sentiment_Unformatted.pptx
+++ b/reports/presentations/Uchicago_LNM_Twitter_Sentiment_Unformatted.pptx
@@ -5,16 +5,28 @@
     <p:sldMasterId id="2147483683" r:id="rId1"/>
   </p:sldMasterIdLst>
   <p:notesMasterIdLst>
-    <p:notesMasterId r:id="rId9"/>
+    <p:notesMasterId r:id="rId21"/>
   </p:notesMasterIdLst>
   <p:sldIdLst>
     <p:sldId id="939" r:id="rId2"/>
     <p:sldId id="940" r:id="rId3"/>
     <p:sldId id="941" r:id="rId4"/>
-    <p:sldId id="942" r:id="rId5"/>
-    <p:sldId id="943" r:id="rId6"/>
-    <p:sldId id="944" r:id="rId7"/>
-    <p:sldId id="945" r:id="rId8"/>
+    <p:sldId id="946" r:id="rId5"/>
+    <p:sldId id="948" r:id="rId6"/>
+    <p:sldId id="942" r:id="rId7"/>
+    <p:sldId id="956" r:id="rId8"/>
+    <p:sldId id="957" r:id="rId9"/>
+    <p:sldId id="958" r:id="rId10"/>
+    <p:sldId id="943" r:id="rId11"/>
+    <p:sldId id="944" r:id="rId12"/>
+    <p:sldId id="945" r:id="rId13"/>
+    <p:sldId id="949" r:id="rId14"/>
+    <p:sldId id="950" r:id="rId15"/>
+    <p:sldId id="951" r:id="rId16"/>
+    <p:sldId id="952" r:id="rId17"/>
+    <p:sldId id="953" r:id="rId18"/>
+    <p:sldId id="954" r:id="rId19"/>
+    <p:sldId id="955" r:id="rId20"/>
   </p:sldIdLst>
   <p:sldSz cx="12192000" cy="6858000"/>
   <p:notesSz cx="6858000" cy="9144000"/>
@@ -149,7 +161,7 @@
 <file path=ppt/revisionInfo.xml><?xml version="1.0" encoding="utf-8"?>
 <p1510:revInfo xmlns:a="http://schemas.openxmlformats.org/drawingml/2006/main" xmlns:r="http://schemas.openxmlformats.org/officeDocument/2006/relationships" xmlns:p1510="http://schemas.microsoft.com/office/powerpoint/2015/10/main">
   <p1510:revLst>
-    <p1510:client id="{F50BE4E4-274E-4A4B-AD8A-B802DD6B7DE2}" v="3" dt="2024-08-09T10:20:45.869"/>
+    <p1510:client id="{F50BE4E4-274E-4A4B-AD8A-B802DD6B7DE2}" v="13" dt="2024-08-09T11:38:36.843"/>
   </p1510:revLst>
 </p1510:revInfo>
 </file>
@@ -158,19 +170,19 @@
 <pc:chgInfo xmlns:a="http://schemas.openxmlformats.org/drawingml/2006/main" xmlns:r="http://schemas.openxmlformats.org/officeDocument/2006/relationships" xmlns:ac="http://schemas.microsoft.com/office/drawing/2013/main/command" xmlns:pc="http://schemas.microsoft.com/office/powerpoint/2013/main/command">
   <pc:docChgLst>
     <pc:chgData name="Jeffrey Clancy" userId="f6cde4da990fc34a" providerId="LiveId" clId="{F50BE4E4-274E-4A4B-AD8A-B802DD6B7DE2}"/>
-    <pc:docChg chg="addSld delSld modSld">
-      <pc:chgData name="Jeffrey Clancy" userId="f6cde4da990fc34a" providerId="LiveId" clId="{F50BE4E4-274E-4A4B-AD8A-B802DD6B7DE2}" dt="2024-08-09T10:20:39.425" v="280" actId="1076"/>
+    <pc:docChg chg="undo custSel addSld delSld modSld">
+      <pc:chgData name="Jeffrey Clancy" userId="f6cde4da990fc34a" providerId="LiveId" clId="{F50BE4E4-274E-4A4B-AD8A-B802DD6B7DE2}" dt="2024-08-09T11:39:10.215" v="2327"/>
       <pc:docMkLst>
         <pc:docMk/>
       </pc:docMkLst>
       <pc:sldChg chg="modSp mod">
-        <pc:chgData name="Jeffrey Clancy" userId="f6cde4da990fc34a" providerId="LiveId" clId="{F50BE4E4-274E-4A4B-AD8A-B802DD6B7DE2}" dt="2024-08-09T10:20:39.425" v="280" actId="1076"/>
+        <pc:chgData name="Jeffrey Clancy" userId="f6cde4da990fc34a" providerId="LiveId" clId="{F50BE4E4-274E-4A4B-AD8A-B802DD6B7DE2}" dt="2024-08-09T11:39:10.215" v="2327"/>
         <pc:sldMkLst>
           <pc:docMk/>
           <pc:sldMk cId="366983556" sldId="939"/>
         </pc:sldMkLst>
         <pc:spChg chg="mod">
-          <ac:chgData name="Jeffrey Clancy" userId="f6cde4da990fc34a" providerId="LiveId" clId="{F50BE4E4-274E-4A4B-AD8A-B802DD6B7DE2}" dt="2024-08-09T10:15:31.647" v="35" actId="20577"/>
+          <ac:chgData name="Jeffrey Clancy" userId="f6cde4da990fc34a" providerId="LiveId" clId="{F50BE4E4-274E-4A4B-AD8A-B802DD6B7DE2}" dt="2024-08-09T11:39:10.215" v="2327"/>
           <ac:spMkLst>
             <pc:docMk/>
             <pc:sldMk cId="366983556" sldId="939"/>
@@ -303,6 +315,329 @@
             <pc:docMk/>
             <pc:sldMk cId="1846824499" sldId="945"/>
             <ac:spMk id="3" creationId="{ECBB390B-E4F0-FD8A-9E92-4A79A69EE985}"/>
+          </ac:spMkLst>
+        </pc:spChg>
+      </pc:sldChg>
+      <pc:sldChg chg="modSp new mod">
+        <pc:chgData name="Jeffrey Clancy" userId="f6cde4da990fc34a" providerId="LiveId" clId="{F50BE4E4-274E-4A4B-AD8A-B802DD6B7DE2}" dt="2024-08-09T10:25:50.864" v="356" actId="20577"/>
+        <pc:sldMkLst>
+          <pc:docMk/>
+          <pc:sldMk cId="2400013501" sldId="946"/>
+        </pc:sldMkLst>
+        <pc:spChg chg="mod">
+          <ac:chgData name="Jeffrey Clancy" userId="f6cde4da990fc34a" providerId="LiveId" clId="{F50BE4E4-274E-4A4B-AD8A-B802DD6B7DE2}" dt="2024-08-09T10:25:50.864" v="356" actId="20577"/>
+          <ac:spMkLst>
+            <pc:docMk/>
+            <pc:sldMk cId="2400013501" sldId="946"/>
+            <ac:spMk id="2" creationId="{66624BAB-4F40-ABCE-FC46-83134EFDC80B}"/>
+          </ac:spMkLst>
+        </pc:spChg>
+        <pc:spChg chg="mod">
+          <ac:chgData name="Jeffrey Clancy" userId="f6cde4da990fc34a" providerId="LiveId" clId="{F50BE4E4-274E-4A4B-AD8A-B802DD6B7DE2}" dt="2024-08-09T10:25:09.262" v="309" actId="21"/>
+          <ac:spMkLst>
+            <pc:docMk/>
+            <pc:sldMk cId="2400013501" sldId="946"/>
+            <ac:spMk id="3" creationId="{975D1D4C-0BD2-8BAB-C974-69B6B8D3509B}"/>
+          </ac:spMkLst>
+        </pc:spChg>
+      </pc:sldChg>
+      <pc:sldChg chg="new del">
+        <pc:chgData name="Jeffrey Clancy" userId="f6cde4da990fc34a" providerId="LiveId" clId="{F50BE4E4-274E-4A4B-AD8A-B802DD6B7DE2}" dt="2024-08-09T10:25:16.945" v="311" actId="2696"/>
+        <pc:sldMkLst>
+          <pc:docMk/>
+          <pc:sldMk cId="1054442407" sldId="947"/>
+        </pc:sldMkLst>
+      </pc:sldChg>
+      <pc:sldChg chg="modSp new mod">
+        <pc:chgData name="Jeffrey Clancy" userId="f6cde4da990fc34a" providerId="LiveId" clId="{F50BE4E4-274E-4A4B-AD8A-B802DD6B7DE2}" dt="2024-08-09T10:26:19.441" v="372" actId="15"/>
+        <pc:sldMkLst>
+          <pc:docMk/>
+          <pc:sldMk cId="717474132" sldId="948"/>
+        </pc:sldMkLst>
+        <pc:spChg chg="mod">
+          <ac:chgData name="Jeffrey Clancy" userId="f6cde4da990fc34a" providerId="LiveId" clId="{F50BE4E4-274E-4A4B-AD8A-B802DD6B7DE2}" dt="2024-08-09T10:25:25.345" v="322" actId="20577"/>
+          <ac:spMkLst>
+            <pc:docMk/>
+            <pc:sldMk cId="717474132" sldId="948"/>
+            <ac:spMk id="2" creationId="{6267002A-00AC-BABF-FC81-F270652DD557}"/>
+          </ac:spMkLst>
+        </pc:spChg>
+        <pc:spChg chg="mod">
+          <ac:chgData name="Jeffrey Clancy" userId="f6cde4da990fc34a" providerId="LiveId" clId="{F50BE4E4-274E-4A4B-AD8A-B802DD6B7DE2}" dt="2024-08-09T10:26:19.441" v="372" actId="15"/>
+          <ac:spMkLst>
+            <pc:docMk/>
+            <pc:sldMk cId="717474132" sldId="948"/>
+            <ac:spMk id="3" creationId="{C79A4119-8193-251D-2802-1FBF3584544E}"/>
+          </ac:spMkLst>
+        </pc:spChg>
+      </pc:sldChg>
+      <pc:sldChg chg="modSp new mod">
+        <pc:chgData name="Jeffrey Clancy" userId="f6cde4da990fc34a" providerId="LiveId" clId="{F50BE4E4-274E-4A4B-AD8A-B802DD6B7DE2}" dt="2024-08-09T10:31:17.307" v="431" actId="14"/>
+        <pc:sldMkLst>
+          <pc:docMk/>
+          <pc:sldMk cId="1155613974" sldId="949"/>
+        </pc:sldMkLst>
+        <pc:spChg chg="mod">
+          <ac:chgData name="Jeffrey Clancy" userId="f6cde4da990fc34a" providerId="LiveId" clId="{F50BE4E4-274E-4A4B-AD8A-B802DD6B7DE2}" dt="2024-08-09T10:31:09.100" v="429"/>
+          <ac:spMkLst>
+            <pc:docMk/>
+            <pc:sldMk cId="1155613974" sldId="949"/>
+            <ac:spMk id="2" creationId="{CD27802A-DFF9-83EB-B20D-3B5300D39ED2}"/>
+          </ac:spMkLst>
+        </pc:spChg>
+        <pc:spChg chg="mod">
+          <ac:chgData name="Jeffrey Clancy" userId="f6cde4da990fc34a" providerId="LiveId" clId="{F50BE4E4-274E-4A4B-AD8A-B802DD6B7DE2}" dt="2024-08-09T10:31:17.307" v="431" actId="14"/>
+          <ac:spMkLst>
+            <pc:docMk/>
+            <pc:sldMk cId="1155613974" sldId="949"/>
+            <ac:spMk id="3" creationId="{E6C7B0A7-3731-9A21-5C24-3CAF62C6E8F5}"/>
+          </ac:spMkLst>
+        </pc:spChg>
+      </pc:sldChg>
+      <pc:sldChg chg="modSp add mod">
+        <pc:chgData name="Jeffrey Clancy" userId="f6cde4da990fc34a" providerId="LiveId" clId="{F50BE4E4-274E-4A4B-AD8A-B802DD6B7DE2}" dt="2024-08-09T10:33:36.591" v="502" actId="255"/>
+        <pc:sldMkLst>
+          <pc:docMk/>
+          <pc:sldMk cId="2423900341" sldId="950"/>
+        </pc:sldMkLst>
+        <pc:spChg chg="mod">
+          <ac:chgData name="Jeffrey Clancy" userId="f6cde4da990fc34a" providerId="LiveId" clId="{F50BE4E4-274E-4A4B-AD8A-B802DD6B7DE2}" dt="2024-08-09T10:31:51.994" v="449" actId="20577"/>
+          <ac:spMkLst>
+            <pc:docMk/>
+            <pc:sldMk cId="2423900341" sldId="950"/>
+            <ac:spMk id="2" creationId="{CD27802A-DFF9-83EB-B20D-3B5300D39ED2}"/>
+          </ac:spMkLst>
+        </pc:spChg>
+        <pc:spChg chg="mod">
+          <ac:chgData name="Jeffrey Clancy" userId="f6cde4da990fc34a" providerId="LiveId" clId="{F50BE4E4-274E-4A4B-AD8A-B802DD6B7DE2}" dt="2024-08-09T10:33:36.591" v="502" actId="255"/>
+          <ac:spMkLst>
+            <pc:docMk/>
+            <pc:sldMk cId="2423900341" sldId="950"/>
+            <ac:spMk id="3" creationId="{E6C7B0A7-3731-9A21-5C24-3CAF62C6E8F5}"/>
+          </ac:spMkLst>
+        </pc:spChg>
+      </pc:sldChg>
+      <pc:sldChg chg="modSp new mod">
+        <pc:chgData name="Jeffrey Clancy" userId="f6cde4da990fc34a" providerId="LiveId" clId="{F50BE4E4-274E-4A4B-AD8A-B802DD6B7DE2}" dt="2024-08-09T10:33:31.055" v="501" actId="404"/>
+        <pc:sldMkLst>
+          <pc:docMk/>
+          <pc:sldMk cId="1080586312" sldId="951"/>
+        </pc:sldMkLst>
+        <pc:spChg chg="mod">
+          <ac:chgData name="Jeffrey Clancy" userId="f6cde4da990fc34a" providerId="LiveId" clId="{F50BE4E4-274E-4A4B-AD8A-B802DD6B7DE2}" dt="2024-08-09T10:33:10.945" v="481" actId="20577"/>
+          <ac:spMkLst>
+            <pc:docMk/>
+            <pc:sldMk cId="1080586312" sldId="951"/>
+            <ac:spMk id="2" creationId="{A3E840EF-0619-500A-F8A6-9A723D2AEAD8}"/>
+          </ac:spMkLst>
+        </pc:spChg>
+        <pc:spChg chg="mod">
+          <ac:chgData name="Jeffrey Clancy" userId="f6cde4da990fc34a" providerId="LiveId" clId="{F50BE4E4-274E-4A4B-AD8A-B802DD6B7DE2}" dt="2024-08-09T10:33:31.055" v="501" actId="404"/>
+          <ac:spMkLst>
+            <pc:docMk/>
+            <pc:sldMk cId="1080586312" sldId="951"/>
+            <ac:spMk id="3" creationId="{75AA6926-2415-310C-7486-119A8E0BCA50}"/>
+          </ac:spMkLst>
+        </pc:spChg>
+      </pc:sldChg>
+      <pc:sldChg chg="modSp add mod">
+        <pc:chgData name="Jeffrey Clancy" userId="f6cde4da990fc34a" providerId="LiveId" clId="{F50BE4E4-274E-4A4B-AD8A-B802DD6B7DE2}" dt="2024-08-09T10:34:38.910" v="531" actId="20577"/>
+        <pc:sldMkLst>
+          <pc:docMk/>
+          <pc:sldMk cId="1532444892" sldId="952"/>
+        </pc:sldMkLst>
+        <pc:spChg chg="mod">
+          <ac:chgData name="Jeffrey Clancy" userId="f6cde4da990fc34a" providerId="LiveId" clId="{F50BE4E4-274E-4A4B-AD8A-B802DD6B7DE2}" dt="2024-08-09T10:34:38.910" v="531" actId="20577"/>
+          <ac:spMkLst>
+            <pc:docMk/>
+            <pc:sldMk cId="1532444892" sldId="952"/>
+            <ac:spMk id="3" creationId="{75AA6926-2415-310C-7486-119A8E0BCA50}"/>
+          </ac:spMkLst>
+        </pc:spChg>
+      </pc:sldChg>
+      <pc:sldChg chg="modSp new mod">
+        <pc:chgData name="Jeffrey Clancy" userId="f6cde4da990fc34a" providerId="LiveId" clId="{F50BE4E4-274E-4A4B-AD8A-B802DD6B7DE2}" dt="2024-08-09T10:36:25.467" v="569" actId="20577"/>
+        <pc:sldMkLst>
+          <pc:docMk/>
+          <pc:sldMk cId="1118720036" sldId="953"/>
+        </pc:sldMkLst>
+        <pc:spChg chg="mod">
+          <ac:chgData name="Jeffrey Clancy" userId="f6cde4da990fc34a" providerId="LiveId" clId="{F50BE4E4-274E-4A4B-AD8A-B802DD6B7DE2}" dt="2024-08-09T10:35:15.437" v="533"/>
+          <ac:spMkLst>
+            <pc:docMk/>
+            <pc:sldMk cId="1118720036" sldId="953"/>
+            <ac:spMk id="2" creationId="{E8D372A0-EF1F-15B2-5E1E-2FE06EB851FE}"/>
+          </ac:spMkLst>
+        </pc:spChg>
+        <pc:spChg chg="mod">
+          <ac:chgData name="Jeffrey Clancy" userId="f6cde4da990fc34a" providerId="LiveId" clId="{F50BE4E4-274E-4A4B-AD8A-B802DD6B7DE2}" dt="2024-08-09T10:36:25.467" v="569" actId="20577"/>
+          <ac:spMkLst>
+            <pc:docMk/>
+            <pc:sldMk cId="1118720036" sldId="953"/>
+            <ac:spMk id="3" creationId="{337B615D-F855-7B30-8039-753D95FABEBA}"/>
+          </ac:spMkLst>
+        </pc:spChg>
+      </pc:sldChg>
+      <pc:sldChg chg="modSp new mod">
+        <pc:chgData name="Jeffrey Clancy" userId="f6cde4da990fc34a" providerId="LiveId" clId="{F50BE4E4-274E-4A4B-AD8A-B802DD6B7DE2}" dt="2024-08-09T10:37:28.247" v="613"/>
+        <pc:sldMkLst>
+          <pc:docMk/>
+          <pc:sldMk cId="3229644703" sldId="954"/>
+        </pc:sldMkLst>
+        <pc:spChg chg="mod">
+          <ac:chgData name="Jeffrey Clancy" userId="f6cde4da990fc34a" providerId="LiveId" clId="{F50BE4E4-274E-4A4B-AD8A-B802DD6B7DE2}" dt="2024-08-09T10:37:28.247" v="613"/>
+          <ac:spMkLst>
+            <pc:docMk/>
+            <pc:sldMk cId="3229644703" sldId="954"/>
+            <ac:spMk id="2" creationId="{5A6D18F7-AB93-ADF5-30BE-E23E12F3AEFD}"/>
+          </ac:spMkLst>
+        </pc:spChg>
+        <pc:spChg chg="mod">
+          <ac:chgData name="Jeffrey Clancy" userId="f6cde4da990fc34a" providerId="LiveId" clId="{F50BE4E4-274E-4A4B-AD8A-B802DD6B7DE2}" dt="2024-08-09T10:37:15.020" v="599" actId="21"/>
+          <ac:spMkLst>
+            <pc:docMk/>
+            <pc:sldMk cId="3229644703" sldId="954"/>
+            <ac:spMk id="3" creationId="{D352BCA6-FFF7-B14D-6694-D6737103ED06}"/>
+          </ac:spMkLst>
+        </pc:spChg>
+      </pc:sldChg>
+      <pc:sldChg chg="modSp new mod">
+        <pc:chgData name="Jeffrey Clancy" userId="f6cde4da990fc34a" providerId="LiveId" clId="{F50BE4E4-274E-4A4B-AD8A-B802DD6B7DE2}" dt="2024-08-09T10:37:47.293" v="615" actId="255"/>
+        <pc:sldMkLst>
+          <pc:docMk/>
+          <pc:sldMk cId="3842175031" sldId="955"/>
+        </pc:sldMkLst>
+        <pc:spChg chg="mod">
+          <ac:chgData name="Jeffrey Clancy" userId="f6cde4da990fc34a" providerId="LiveId" clId="{F50BE4E4-274E-4A4B-AD8A-B802DD6B7DE2}" dt="2024-08-09T10:37:29.831" v="614"/>
+          <ac:spMkLst>
+            <pc:docMk/>
+            <pc:sldMk cId="3842175031" sldId="955"/>
+            <ac:spMk id="2" creationId="{9958874C-4DE7-3922-0CA4-05C4E4999F21}"/>
+          </ac:spMkLst>
+        </pc:spChg>
+        <pc:spChg chg="mod">
+          <ac:chgData name="Jeffrey Clancy" userId="f6cde4da990fc34a" providerId="LiveId" clId="{F50BE4E4-274E-4A4B-AD8A-B802DD6B7DE2}" dt="2024-08-09T10:37:47.293" v="615" actId="255"/>
+          <ac:spMkLst>
+            <pc:docMk/>
+            <pc:sldMk cId="3842175031" sldId="955"/>
+            <ac:spMk id="3" creationId="{9E873A1A-82EC-B3F2-CF35-0ED3A608F624}"/>
+          </ac:spMkLst>
+        </pc:spChg>
+      </pc:sldChg>
+      <pc:sldChg chg="addSp delSp modSp new mod">
+        <pc:chgData name="Jeffrey Clancy" userId="f6cde4da990fc34a" providerId="LiveId" clId="{F50BE4E4-274E-4A4B-AD8A-B802DD6B7DE2}" dt="2024-08-09T11:38:28.813" v="2314"/>
+        <pc:sldMkLst>
+          <pc:docMk/>
+          <pc:sldMk cId="3533620728" sldId="956"/>
+        </pc:sldMkLst>
+        <pc:spChg chg="mod">
+          <ac:chgData name="Jeffrey Clancy" userId="f6cde4da990fc34a" providerId="LiveId" clId="{F50BE4E4-274E-4A4B-AD8A-B802DD6B7DE2}" dt="2024-08-09T11:09:20.256" v="618" actId="20577"/>
+          <ac:spMkLst>
+            <pc:docMk/>
+            <pc:sldMk cId="3533620728" sldId="956"/>
+            <ac:spMk id="2" creationId="{C3A703F3-B20A-8923-7123-E69410C7B09C}"/>
+          </ac:spMkLst>
+        </pc:spChg>
+        <pc:spChg chg="mod">
+          <ac:chgData name="Jeffrey Clancy" userId="f6cde4da990fc34a" providerId="LiveId" clId="{F50BE4E4-274E-4A4B-AD8A-B802DD6B7DE2}" dt="2024-08-09T11:18:06.534" v="1049" actId="20577"/>
+          <ac:spMkLst>
+            <pc:docMk/>
+            <pc:sldMk cId="3533620728" sldId="956"/>
+            <ac:spMk id="3" creationId="{DAB5E19D-42E2-B867-D4C2-72215C159380}"/>
+          </ac:spMkLst>
+        </pc:spChg>
+        <pc:spChg chg="add del mod">
+          <ac:chgData name="Jeffrey Clancy" userId="f6cde4da990fc34a" providerId="LiveId" clId="{F50BE4E4-274E-4A4B-AD8A-B802DD6B7DE2}" dt="2024-08-09T11:38:19.705" v="2312" actId="478"/>
+          <ac:spMkLst>
+            <pc:docMk/>
+            <pc:sldMk cId="3533620728" sldId="956"/>
+            <ac:spMk id="5" creationId="{03FB1CC6-D399-6BF1-F171-53C0FD3B4E59}"/>
+          </ac:spMkLst>
+        </pc:spChg>
+        <pc:spChg chg="add mod">
+          <ac:chgData name="Jeffrey Clancy" userId="f6cde4da990fc34a" providerId="LiveId" clId="{F50BE4E4-274E-4A4B-AD8A-B802DD6B7DE2}" dt="2024-08-09T11:38:28.813" v="2314"/>
+          <ac:spMkLst>
+            <pc:docMk/>
+            <pc:sldMk cId="3533620728" sldId="956"/>
+            <ac:spMk id="6" creationId="{9B21A170-0623-9845-6B52-CC488F1CE941}"/>
+          </ac:spMkLst>
+        </pc:spChg>
+      </pc:sldChg>
+      <pc:sldChg chg="addSp modSp new mod">
+        <pc:chgData name="Jeffrey Clancy" userId="f6cde4da990fc34a" providerId="LiveId" clId="{F50BE4E4-274E-4A4B-AD8A-B802DD6B7DE2}" dt="2024-08-09T11:38:13.752" v="2311" actId="1076"/>
+        <pc:sldMkLst>
+          <pc:docMk/>
+          <pc:sldMk cId="3401918250" sldId="957"/>
+        </pc:sldMkLst>
+        <pc:spChg chg="mod">
+          <ac:chgData name="Jeffrey Clancy" userId="f6cde4da990fc34a" providerId="LiveId" clId="{F50BE4E4-274E-4A4B-AD8A-B802DD6B7DE2}" dt="2024-08-09T11:18:29.627" v="1051"/>
+          <ac:spMkLst>
+            <pc:docMk/>
+            <pc:sldMk cId="3401918250" sldId="957"/>
+            <ac:spMk id="2" creationId="{399A1913-C721-19CF-20C5-50DD482AC7C3}"/>
+          </ac:spMkLst>
+        </pc:spChg>
+        <pc:spChg chg="mod">
+          <ac:chgData name="Jeffrey Clancy" userId="f6cde4da990fc34a" providerId="LiveId" clId="{F50BE4E4-274E-4A4B-AD8A-B802DD6B7DE2}" dt="2024-08-09T11:37:55.049" v="2306" actId="113"/>
+          <ac:spMkLst>
+            <pc:docMk/>
+            <pc:sldMk cId="3401918250" sldId="957"/>
+            <ac:spMk id="3" creationId="{DEF91687-C700-BC4B-C59F-DAB3FBBEA1C7}"/>
+          </ac:spMkLst>
+        </pc:spChg>
+        <pc:spChg chg="add mod">
+          <ac:chgData name="Jeffrey Clancy" userId="f6cde4da990fc34a" providerId="LiveId" clId="{F50BE4E4-274E-4A4B-AD8A-B802DD6B7DE2}" dt="2024-08-09T11:36:02.122" v="2234" actId="1076"/>
+          <ac:spMkLst>
+            <pc:docMk/>
+            <pc:sldMk cId="3401918250" sldId="957"/>
+            <ac:spMk id="5" creationId="{8F60D280-92E3-50BB-83DF-E33D8937F0AE}"/>
+          </ac:spMkLst>
+        </pc:spChg>
+        <pc:spChg chg="add mod">
+          <ac:chgData name="Jeffrey Clancy" userId="f6cde4da990fc34a" providerId="LiveId" clId="{F50BE4E4-274E-4A4B-AD8A-B802DD6B7DE2}" dt="2024-08-09T11:37:02.909" v="2242"/>
+          <ac:spMkLst>
+            <pc:docMk/>
+            <pc:sldMk cId="3401918250" sldId="957"/>
+            <ac:spMk id="6" creationId="{E2D1D935-0539-92C3-FE51-BB3F69E7DDE0}"/>
+          </ac:spMkLst>
+        </pc:spChg>
+        <pc:spChg chg="add mod">
+          <ac:chgData name="Jeffrey Clancy" userId="f6cde4da990fc34a" providerId="LiveId" clId="{F50BE4E4-274E-4A4B-AD8A-B802DD6B7DE2}" dt="2024-08-09T11:38:13.752" v="2311" actId="1076"/>
+          <ac:spMkLst>
+            <pc:docMk/>
+            <pc:sldMk cId="3401918250" sldId="957"/>
+            <ac:spMk id="7" creationId="{CD13DAEE-56CE-0EF5-AE46-5AD12B0DF405}"/>
+          </ac:spMkLst>
+        </pc:spChg>
+      </pc:sldChg>
+      <pc:sldChg chg="addSp modSp new mod">
+        <pc:chgData name="Jeffrey Clancy" userId="f6cde4da990fc34a" providerId="LiveId" clId="{F50BE4E4-274E-4A4B-AD8A-B802DD6B7DE2}" dt="2024-08-09T11:38:56.543" v="2324"/>
+        <pc:sldMkLst>
+          <pc:docMk/>
+          <pc:sldMk cId="3943509085" sldId="958"/>
+        </pc:sldMkLst>
+        <pc:spChg chg="mod">
+          <ac:chgData name="Jeffrey Clancy" userId="f6cde4da990fc34a" providerId="LiveId" clId="{F50BE4E4-274E-4A4B-AD8A-B802DD6B7DE2}" dt="2024-08-09T11:24:42.185" v="1510"/>
+          <ac:spMkLst>
+            <pc:docMk/>
+            <pc:sldMk cId="3943509085" sldId="958"/>
+            <ac:spMk id="2" creationId="{64AE9F79-384F-58E1-A072-B1AD78A7EE49}"/>
+          </ac:spMkLst>
+        </pc:spChg>
+        <pc:spChg chg="mod">
+          <ac:chgData name="Jeffrey Clancy" userId="f6cde4da990fc34a" providerId="LiveId" clId="{F50BE4E4-274E-4A4B-AD8A-B802DD6B7DE2}" dt="2024-08-09T11:38:50.017" v="2323" actId="20577"/>
+          <ac:spMkLst>
+            <pc:docMk/>
+            <pc:sldMk cId="3943509085" sldId="958"/>
+            <ac:spMk id="3" creationId="{51D86A52-2929-E60F-316B-C2518A7F2E5A}"/>
+          </ac:spMkLst>
+        </pc:spChg>
+        <pc:spChg chg="add mod">
+          <ac:chgData name="Jeffrey Clancy" userId="f6cde4da990fc34a" providerId="LiveId" clId="{F50BE4E4-274E-4A4B-AD8A-B802DD6B7DE2}" dt="2024-08-09T11:38:56.543" v="2324"/>
+          <ac:spMkLst>
+            <pc:docMk/>
+            <pc:sldMk cId="3943509085" sldId="958"/>
+            <ac:spMk id="5" creationId="{F04BC046-62E1-6F17-ABD1-55EB20141CB8}"/>
           </ac:spMkLst>
         </pc:spChg>
       </pc:sldChg>
@@ -3547,7 +3882,7 @@
                 <a:latin typeface="+mj-lt"/>
                 <a:cs typeface="Arial" panose="020B0604020202020204" pitchFamily="34" charset="0"/>
               </a:rPr>
-              <a:t>Title Slide</a:t>
+              <a:t>Twitter Sentiment Classification</a:t>
             </a:r>
           </a:p>
         </p:txBody>
@@ -3840,6 +4175,1543 @@
 </p:sld>
 </file>
 
+<file path=ppt/slides/slide10.xml><?xml version="1.0" encoding="utf-8"?>
+<p:sld xmlns:a="http://schemas.openxmlformats.org/drawingml/2006/main" xmlns:r="http://schemas.openxmlformats.org/officeDocument/2006/relationships" xmlns:p="http://schemas.openxmlformats.org/presentationml/2006/main">
+  <p:cSld>
+    <p:spTree>
+      <p:nvGrpSpPr>
+        <p:cNvPr id="1" name=""/>
+        <p:cNvGrpSpPr/>
+        <p:nvPr/>
+      </p:nvGrpSpPr>
+      <p:grpSpPr>
+        <a:xfrm>
+          <a:off x="0" y="0"/>
+          <a:ext cx="0" cy="0"/>
+          <a:chOff x="0" y="0"/>
+          <a:chExt cx="0" cy="0"/>
+        </a:xfrm>
+      </p:grpSpPr>
+      <p:sp>
+        <p:nvSpPr>
+          <p:cNvPr id="2" name="Text Placeholder 1">
+            <a:extLst>
+              <a:ext uri="{FF2B5EF4-FFF2-40B4-BE49-F238E27FC236}">
+                <a16:creationId xmlns:a16="http://schemas.microsoft.com/office/drawing/2014/main" id="{AD71B578-928C-C975-4231-897CDAD0FAA5}"/>
+              </a:ext>
+            </a:extLst>
+          </p:cNvPr>
+          <p:cNvSpPr>
+            <a:spLocks noGrp="1"/>
+          </p:cNvSpPr>
+          <p:nvPr>
+            <p:ph type="body" idx="1"/>
+          </p:nvPr>
+        </p:nvSpPr>
+        <p:spPr/>
+        <p:txBody>
+          <a:bodyPr/>
+          <a:lstStyle/>
+          <a:p>
+            <a:endParaRPr lang="en-US"/>
+          </a:p>
+        </p:txBody>
+      </p:sp>
+      <p:sp>
+        <p:nvSpPr>
+          <p:cNvPr id="3" name="Title 2">
+            <a:extLst>
+              <a:ext uri="{FF2B5EF4-FFF2-40B4-BE49-F238E27FC236}">
+                <a16:creationId xmlns:a16="http://schemas.microsoft.com/office/drawing/2014/main" id="{ECBB390B-E4F0-FD8A-9E92-4A79A69EE985}"/>
+              </a:ext>
+            </a:extLst>
+          </p:cNvPr>
+          <p:cNvSpPr>
+            <a:spLocks noGrp="1"/>
+          </p:cNvSpPr>
+          <p:nvPr>
+            <p:ph type="title"/>
+          </p:nvPr>
+        </p:nvSpPr>
+        <p:spPr/>
+        <p:txBody>
+          <a:bodyPr/>
+          <a:lstStyle/>
+          <a:p>
+            <a:r>
+              <a:rPr lang="en-US" dirty="0"/>
+              <a:t>Methods</a:t>
+            </a:r>
+          </a:p>
+        </p:txBody>
+      </p:sp>
+      <p:sp>
+        <p:nvSpPr>
+          <p:cNvPr id="4" name="Slide Number Placeholder 3">
+            <a:extLst>
+              <a:ext uri="{FF2B5EF4-FFF2-40B4-BE49-F238E27FC236}">
+                <a16:creationId xmlns:a16="http://schemas.microsoft.com/office/drawing/2014/main" id="{83CBD4B2-E6DA-EDB9-51AF-6797E61E9A38}"/>
+              </a:ext>
+            </a:extLst>
+          </p:cNvPr>
+          <p:cNvSpPr>
+            <a:spLocks noGrp="1"/>
+          </p:cNvSpPr>
+          <p:nvPr>
+            <p:ph type="sldNum" sz="quarter" idx="12"/>
+          </p:nvPr>
+        </p:nvSpPr>
+        <p:spPr/>
+        <p:txBody>
+          <a:bodyPr/>
+          <a:lstStyle/>
+          <a:p>
+            <a:fld id="{7DFC1CBA-4892-A140-A01E-A83B9C8F6E3B}" type="slidenum">
+              <a:rPr lang="en-US" smtClean="0"/>
+              <a:pPr/>
+              <a:t>10</a:t>
+            </a:fld>
+            <a:endParaRPr lang="en-US" dirty="0"/>
+          </a:p>
+        </p:txBody>
+      </p:sp>
+    </p:spTree>
+    <p:extLst>
+      <p:ext uri="{BB962C8B-B14F-4D97-AF65-F5344CB8AC3E}">
+        <p14:creationId xmlns:p14="http://schemas.microsoft.com/office/powerpoint/2010/main" val="2080636245"/>
+      </p:ext>
+    </p:extLst>
+  </p:cSld>
+  <p:clrMapOvr>
+    <a:masterClrMapping/>
+  </p:clrMapOvr>
+</p:sld>
+</file>
+
+<file path=ppt/slides/slide11.xml><?xml version="1.0" encoding="utf-8"?>
+<p:sld xmlns:a="http://schemas.openxmlformats.org/drawingml/2006/main" xmlns:r="http://schemas.openxmlformats.org/officeDocument/2006/relationships" xmlns:p="http://schemas.openxmlformats.org/presentationml/2006/main">
+  <p:cSld>
+    <p:spTree>
+      <p:nvGrpSpPr>
+        <p:cNvPr id="1" name=""/>
+        <p:cNvGrpSpPr/>
+        <p:nvPr/>
+      </p:nvGrpSpPr>
+      <p:grpSpPr>
+        <a:xfrm>
+          <a:off x="0" y="0"/>
+          <a:ext cx="0" cy="0"/>
+          <a:chOff x="0" y="0"/>
+          <a:chExt cx="0" cy="0"/>
+        </a:xfrm>
+      </p:grpSpPr>
+      <p:sp>
+        <p:nvSpPr>
+          <p:cNvPr id="2" name="Text Placeholder 1">
+            <a:extLst>
+              <a:ext uri="{FF2B5EF4-FFF2-40B4-BE49-F238E27FC236}">
+                <a16:creationId xmlns:a16="http://schemas.microsoft.com/office/drawing/2014/main" id="{AD71B578-928C-C975-4231-897CDAD0FAA5}"/>
+              </a:ext>
+            </a:extLst>
+          </p:cNvPr>
+          <p:cNvSpPr>
+            <a:spLocks noGrp="1"/>
+          </p:cNvSpPr>
+          <p:nvPr>
+            <p:ph type="body" idx="1"/>
+          </p:nvPr>
+        </p:nvSpPr>
+        <p:spPr/>
+        <p:txBody>
+          <a:bodyPr/>
+          <a:lstStyle/>
+          <a:p>
+            <a:endParaRPr lang="en-US"/>
+          </a:p>
+        </p:txBody>
+      </p:sp>
+      <p:sp>
+        <p:nvSpPr>
+          <p:cNvPr id="3" name="Title 2">
+            <a:extLst>
+              <a:ext uri="{FF2B5EF4-FFF2-40B4-BE49-F238E27FC236}">
+                <a16:creationId xmlns:a16="http://schemas.microsoft.com/office/drawing/2014/main" id="{ECBB390B-E4F0-FD8A-9E92-4A79A69EE985}"/>
+              </a:ext>
+            </a:extLst>
+          </p:cNvPr>
+          <p:cNvSpPr>
+            <a:spLocks noGrp="1"/>
+          </p:cNvSpPr>
+          <p:nvPr>
+            <p:ph type="title"/>
+          </p:nvPr>
+        </p:nvSpPr>
+        <p:spPr/>
+        <p:txBody>
+          <a:bodyPr/>
+          <a:lstStyle/>
+          <a:p>
+            <a:r>
+              <a:rPr lang="en-US" dirty="0"/>
+              <a:t>Results</a:t>
+            </a:r>
+          </a:p>
+        </p:txBody>
+      </p:sp>
+      <p:sp>
+        <p:nvSpPr>
+          <p:cNvPr id="4" name="Slide Number Placeholder 3">
+            <a:extLst>
+              <a:ext uri="{FF2B5EF4-FFF2-40B4-BE49-F238E27FC236}">
+                <a16:creationId xmlns:a16="http://schemas.microsoft.com/office/drawing/2014/main" id="{83CBD4B2-E6DA-EDB9-51AF-6797E61E9A38}"/>
+              </a:ext>
+            </a:extLst>
+          </p:cNvPr>
+          <p:cNvSpPr>
+            <a:spLocks noGrp="1"/>
+          </p:cNvSpPr>
+          <p:nvPr>
+            <p:ph type="sldNum" sz="quarter" idx="12"/>
+          </p:nvPr>
+        </p:nvSpPr>
+        <p:spPr/>
+        <p:txBody>
+          <a:bodyPr/>
+          <a:lstStyle/>
+          <a:p>
+            <a:fld id="{7DFC1CBA-4892-A140-A01E-A83B9C8F6E3B}" type="slidenum">
+              <a:rPr lang="en-US" smtClean="0"/>
+              <a:pPr/>
+              <a:t>11</a:t>
+            </a:fld>
+            <a:endParaRPr lang="en-US" dirty="0"/>
+          </a:p>
+        </p:txBody>
+      </p:sp>
+    </p:spTree>
+    <p:extLst>
+      <p:ext uri="{BB962C8B-B14F-4D97-AF65-F5344CB8AC3E}">
+        <p14:creationId xmlns:p14="http://schemas.microsoft.com/office/powerpoint/2010/main" val="2481569639"/>
+      </p:ext>
+    </p:extLst>
+  </p:cSld>
+  <p:clrMapOvr>
+    <a:masterClrMapping/>
+  </p:clrMapOvr>
+</p:sld>
+</file>
+
+<file path=ppt/slides/slide12.xml><?xml version="1.0" encoding="utf-8"?>
+<p:sld xmlns:a="http://schemas.openxmlformats.org/drawingml/2006/main" xmlns:r="http://schemas.openxmlformats.org/officeDocument/2006/relationships" xmlns:p="http://schemas.openxmlformats.org/presentationml/2006/main">
+  <p:cSld>
+    <p:spTree>
+      <p:nvGrpSpPr>
+        <p:cNvPr id="1" name=""/>
+        <p:cNvGrpSpPr/>
+        <p:nvPr/>
+      </p:nvGrpSpPr>
+      <p:grpSpPr>
+        <a:xfrm>
+          <a:off x="0" y="0"/>
+          <a:ext cx="0" cy="0"/>
+          <a:chOff x="0" y="0"/>
+          <a:chExt cx="0" cy="0"/>
+        </a:xfrm>
+      </p:grpSpPr>
+      <p:sp>
+        <p:nvSpPr>
+          <p:cNvPr id="2" name="Text Placeholder 1">
+            <a:extLst>
+              <a:ext uri="{FF2B5EF4-FFF2-40B4-BE49-F238E27FC236}">
+                <a16:creationId xmlns:a16="http://schemas.microsoft.com/office/drawing/2014/main" id="{AD71B578-928C-C975-4231-897CDAD0FAA5}"/>
+              </a:ext>
+            </a:extLst>
+          </p:cNvPr>
+          <p:cNvSpPr>
+            <a:spLocks noGrp="1"/>
+          </p:cNvSpPr>
+          <p:nvPr>
+            <p:ph type="body" idx="1"/>
+          </p:nvPr>
+        </p:nvSpPr>
+        <p:spPr/>
+        <p:txBody>
+          <a:bodyPr/>
+          <a:lstStyle/>
+          <a:p>
+            <a:endParaRPr lang="en-US"/>
+          </a:p>
+        </p:txBody>
+      </p:sp>
+      <p:sp>
+        <p:nvSpPr>
+          <p:cNvPr id="3" name="Title 2">
+            <a:extLst>
+              <a:ext uri="{FF2B5EF4-FFF2-40B4-BE49-F238E27FC236}">
+                <a16:creationId xmlns:a16="http://schemas.microsoft.com/office/drawing/2014/main" id="{ECBB390B-E4F0-FD8A-9E92-4A79A69EE985}"/>
+              </a:ext>
+            </a:extLst>
+          </p:cNvPr>
+          <p:cNvSpPr>
+            <a:spLocks noGrp="1"/>
+          </p:cNvSpPr>
+          <p:nvPr>
+            <p:ph type="title"/>
+          </p:nvPr>
+        </p:nvSpPr>
+        <p:spPr/>
+        <p:txBody>
+          <a:bodyPr/>
+          <a:lstStyle/>
+          <a:p>
+            <a:r>
+              <a:rPr lang="en-US" dirty="0"/>
+              <a:t>References</a:t>
+            </a:r>
+          </a:p>
+        </p:txBody>
+      </p:sp>
+      <p:sp>
+        <p:nvSpPr>
+          <p:cNvPr id="4" name="Slide Number Placeholder 3">
+            <a:extLst>
+              <a:ext uri="{FF2B5EF4-FFF2-40B4-BE49-F238E27FC236}">
+                <a16:creationId xmlns:a16="http://schemas.microsoft.com/office/drawing/2014/main" id="{83CBD4B2-E6DA-EDB9-51AF-6797E61E9A38}"/>
+              </a:ext>
+            </a:extLst>
+          </p:cNvPr>
+          <p:cNvSpPr>
+            <a:spLocks noGrp="1"/>
+          </p:cNvSpPr>
+          <p:nvPr>
+            <p:ph type="sldNum" sz="quarter" idx="12"/>
+          </p:nvPr>
+        </p:nvSpPr>
+        <p:spPr/>
+        <p:txBody>
+          <a:bodyPr/>
+          <a:lstStyle/>
+          <a:p>
+            <a:fld id="{7DFC1CBA-4892-A140-A01E-A83B9C8F6E3B}" type="slidenum">
+              <a:rPr lang="en-US" smtClean="0"/>
+              <a:pPr/>
+              <a:t>12</a:t>
+            </a:fld>
+            <a:endParaRPr lang="en-US" dirty="0"/>
+          </a:p>
+        </p:txBody>
+      </p:sp>
+    </p:spTree>
+    <p:extLst>
+      <p:ext uri="{BB962C8B-B14F-4D97-AF65-F5344CB8AC3E}">
+        <p14:creationId xmlns:p14="http://schemas.microsoft.com/office/powerpoint/2010/main" val="1846824499"/>
+      </p:ext>
+    </p:extLst>
+  </p:cSld>
+  <p:clrMapOvr>
+    <a:masterClrMapping/>
+  </p:clrMapOvr>
+</p:sld>
+</file>
+
+<file path=ppt/slides/slide13.xml><?xml version="1.0" encoding="utf-8"?>
+<p:sld xmlns:a="http://schemas.openxmlformats.org/drawingml/2006/main" xmlns:r="http://schemas.openxmlformats.org/officeDocument/2006/relationships" xmlns:p="http://schemas.openxmlformats.org/presentationml/2006/main">
+  <p:cSld>
+    <p:spTree>
+      <p:nvGrpSpPr>
+        <p:cNvPr id="1" name=""/>
+        <p:cNvGrpSpPr/>
+        <p:nvPr/>
+      </p:nvGrpSpPr>
+      <p:grpSpPr>
+        <a:xfrm>
+          <a:off x="0" y="0"/>
+          <a:ext cx="0" cy="0"/>
+          <a:chOff x="0" y="0"/>
+          <a:chExt cx="0" cy="0"/>
+        </a:xfrm>
+      </p:grpSpPr>
+      <p:sp>
+        <p:nvSpPr>
+          <p:cNvPr id="2" name="Title 1">
+            <a:extLst>
+              <a:ext uri="{FF2B5EF4-FFF2-40B4-BE49-F238E27FC236}">
+                <a16:creationId xmlns:a16="http://schemas.microsoft.com/office/drawing/2014/main" id="{CD27802A-DFF9-83EB-B20D-3B5300D39ED2}"/>
+              </a:ext>
+            </a:extLst>
+          </p:cNvPr>
+          <p:cNvSpPr>
+            <a:spLocks noGrp="1"/>
+          </p:cNvSpPr>
+          <p:nvPr>
+            <p:ph type="title"/>
+          </p:nvPr>
+        </p:nvSpPr>
+        <p:spPr/>
+        <p:txBody>
+          <a:bodyPr/>
+          <a:lstStyle/>
+          <a:p>
+            <a:r>
+              <a:rPr lang="en-US" dirty="0"/>
+              <a:t>Dataset &amp; Related Paper</a:t>
+            </a:r>
+          </a:p>
+        </p:txBody>
+      </p:sp>
+      <p:sp>
+        <p:nvSpPr>
+          <p:cNvPr id="3" name="Content Placeholder 2">
+            <a:extLst>
+              <a:ext uri="{FF2B5EF4-FFF2-40B4-BE49-F238E27FC236}">
+                <a16:creationId xmlns:a16="http://schemas.microsoft.com/office/drawing/2014/main" id="{E6C7B0A7-3731-9A21-5C24-3CAF62C6E8F5}"/>
+              </a:ext>
+            </a:extLst>
+          </p:cNvPr>
+          <p:cNvSpPr>
+            <a:spLocks noGrp="1"/>
+          </p:cNvSpPr>
+          <p:nvPr>
+            <p:ph idx="1"/>
+          </p:nvPr>
+        </p:nvSpPr>
+        <p:spPr/>
+        <p:txBody>
+          <a:bodyPr/>
+          <a:lstStyle/>
+          <a:p>
+            <a:r>
+              <a:rPr lang="en-US" dirty="0"/>
+              <a:t>Go, Alec, Richa </a:t>
+            </a:r>
+            <a:r>
+              <a:rPr lang="en-US" dirty="0" err="1"/>
+              <a:t>Bhayani</a:t>
+            </a:r>
+            <a:r>
+              <a:rPr lang="en-US" dirty="0"/>
+              <a:t>, and Lei Huang. "Twitter sentiment classification using distant supervision.", Stanford (2009). </a:t>
+            </a:r>
+          </a:p>
+          <a:p>
+            <a:r>
+              <a:rPr lang="en-US" dirty="0"/>
+              <a:t>TensorFlow Datasets: Sentiment140. Available at: https://www.tensorflow.org/datasets/catalog/ sentiment140 </a:t>
+            </a:r>
+          </a:p>
+        </p:txBody>
+      </p:sp>
+      <p:sp>
+        <p:nvSpPr>
+          <p:cNvPr id="4" name="Slide Number Placeholder 3">
+            <a:extLst>
+              <a:ext uri="{FF2B5EF4-FFF2-40B4-BE49-F238E27FC236}">
+                <a16:creationId xmlns:a16="http://schemas.microsoft.com/office/drawing/2014/main" id="{B9A29ACB-CBBF-58F0-F844-412D12D20796}"/>
+              </a:ext>
+            </a:extLst>
+          </p:cNvPr>
+          <p:cNvSpPr>
+            <a:spLocks noGrp="1"/>
+          </p:cNvSpPr>
+          <p:nvPr>
+            <p:ph type="sldNum" sz="quarter" idx="12"/>
+          </p:nvPr>
+        </p:nvSpPr>
+        <p:spPr/>
+        <p:txBody>
+          <a:bodyPr/>
+          <a:lstStyle/>
+          <a:p>
+            <a:fld id="{7DFC1CBA-4892-A140-A01E-A83B9C8F6E3B}" type="slidenum">
+              <a:rPr lang="en-US" smtClean="0"/>
+              <a:pPr/>
+              <a:t>13</a:t>
+            </a:fld>
+            <a:endParaRPr lang="en-US" dirty="0"/>
+          </a:p>
+        </p:txBody>
+      </p:sp>
+    </p:spTree>
+    <p:extLst>
+      <p:ext uri="{BB962C8B-B14F-4D97-AF65-F5344CB8AC3E}">
+        <p14:creationId xmlns:p14="http://schemas.microsoft.com/office/powerpoint/2010/main" val="1155613974"/>
+      </p:ext>
+    </p:extLst>
+  </p:cSld>
+  <p:clrMapOvr>
+    <a:masterClrMapping/>
+  </p:clrMapOvr>
+</p:sld>
+</file>
+
+<file path=ppt/slides/slide14.xml><?xml version="1.0" encoding="utf-8"?>
+<p:sld xmlns:a="http://schemas.openxmlformats.org/drawingml/2006/main" xmlns:r="http://schemas.openxmlformats.org/officeDocument/2006/relationships" xmlns:p="http://schemas.openxmlformats.org/presentationml/2006/main">
+  <p:cSld>
+    <p:spTree>
+      <p:nvGrpSpPr>
+        <p:cNvPr id="1" name=""/>
+        <p:cNvGrpSpPr/>
+        <p:nvPr/>
+      </p:nvGrpSpPr>
+      <p:grpSpPr>
+        <a:xfrm>
+          <a:off x="0" y="0"/>
+          <a:ext cx="0" cy="0"/>
+          <a:chOff x="0" y="0"/>
+          <a:chExt cx="0" cy="0"/>
+        </a:xfrm>
+      </p:grpSpPr>
+      <p:sp>
+        <p:nvSpPr>
+          <p:cNvPr id="2" name="Title 1">
+            <a:extLst>
+              <a:ext uri="{FF2B5EF4-FFF2-40B4-BE49-F238E27FC236}">
+                <a16:creationId xmlns:a16="http://schemas.microsoft.com/office/drawing/2014/main" id="{CD27802A-DFF9-83EB-B20D-3B5300D39ED2}"/>
+              </a:ext>
+            </a:extLst>
+          </p:cNvPr>
+          <p:cNvSpPr>
+            <a:spLocks noGrp="1"/>
+          </p:cNvSpPr>
+          <p:nvPr>
+            <p:ph type="title"/>
+          </p:nvPr>
+        </p:nvSpPr>
+        <p:spPr/>
+        <p:txBody>
+          <a:bodyPr/>
+          <a:lstStyle/>
+          <a:p>
+            <a:r>
+              <a:rPr lang="en-US" dirty="0"/>
+              <a:t>Literature Review</a:t>
+            </a:r>
+          </a:p>
+        </p:txBody>
+      </p:sp>
+      <p:sp>
+        <p:nvSpPr>
+          <p:cNvPr id="3" name="Content Placeholder 2">
+            <a:extLst>
+              <a:ext uri="{FF2B5EF4-FFF2-40B4-BE49-F238E27FC236}">
+                <a16:creationId xmlns:a16="http://schemas.microsoft.com/office/drawing/2014/main" id="{E6C7B0A7-3731-9A21-5C24-3CAF62C6E8F5}"/>
+              </a:ext>
+            </a:extLst>
+          </p:cNvPr>
+          <p:cNvSpPr>
+            <a:spLocks noGrp="1"/>
+          </p:cNvSpPr>
+          <p:nvPr>
+            <p:ph idx="1"/>
+          </p:nvPr>
+        </p:nvSpPr>
+        <p:spPr/>
+        <p:txBody>
+          <a:bodyPr/>
+          <a:lstStyle/>
+          <a:p>
+            <a:r>
+              <a:rPr lang="en-US" sz="2000" dirty="0"/>
+              <a:t>Neethu, M.S., </a:t>
+            </a:r>
+            <a:r>
+              <a:rPr lang="en-US" sz="2000" dirty="0" err="1"/>
+              <a:t>Rajasree</a:t>
+            </a:r>
+            <a:r>
+              <a:rPr lang="en-US" sz="2000" dirty="0"/>
+              <a:t>, R. (2013). Sentiment analysis in twitter using machine learning techniques. In Proceedings of 4th ICCCNT, 1-5. https://ieeexplore.ieee.org/document/6726818 </a:t>
+            </a:r>
+          </a:p>
+          <a:p>
+            <a:r>
+              <a:rPr lang="en-US" sz="2000" dirty="0" err="1"/>
+              <a:t>Basiri</a:t>
+            </a:r>
+            <a:r>
+              <a:rPr lang="en-US" sz="2000" dirty="0"/>
+              <a:t>, M.E., Nemati, S., </a:t>
+            </a:r>
+            <a:r>
+              <a:rPr lang="en-US" sz="2000" dirty="0" err="1"/>
+              <a:t>Abdar</a:t>
+            </a:r>
+            <a:r>
+              <a:rPr lang="en-US" sz="2000" dirty="0"/>
+              <a:t>, M., Cambria, E., Acharya, U.R. (2021). ABCDM: An attention-based bidirectional CNN-RNN deep model for sentiment analysis. Future Generation Computer Systems, 115, 279-294. https://www.sciencedirect. com/science/article/abs/</a:t>
+            </a:r>
+            <a:r>
+              <a:rPr lang="en-US" sz="2000" dirty="0" err="1"/>
+              <a:t>pii</a:t>
+            </a:r>
+            <a:r>
+              <a:rPr lang="en-US" sz="2000" dirty="0"/>
+              <a:t>/S0167739X20309195 </a:t>
+            </a:r>
+          </a:p>
+          <a:p>
+            <a:r>
+              <a:rPr lang="en-US" sz="2000" dirty="0" err="1"/>
+              <a:t>Krugmann</a:t>
+            </a:r>
+            <a:r>
+              <a:rPr lang="en-US" sz="2000" dirty="0"/>
+              <a:t>, J.O., Hartmann, J. (2024). Sentiment Analysis in the Age of Generative AI. Customer Needs and Solutions, 11, 3. https://link.springer.com/article/10.1007/s40547-024-00143-4 </a:t>
+            </a:r>
+          </a:p>
+          <a:p>
+            <a:r>
+              <a:rPr lang="en-US" sz="2000" dirty="0"/>
+              <a:t>Lee, B.K., </a:t>
+            </a:r>
+            <a:r>
+              <a:rPr lang="en-US" sz="2000" dirty="0" err="1"/>
+              <a:t>Lessler</a:t>
+            </a:r>
+            <a:r>
+              <a:rPr lang="en-US" sz="2000" dirty="0"/>
+              <a:t>, J., Stuart, E.A. (2010). Improving propensity score weighting using machine learning. Statistics in Medicine, 29, 337–346. https://www.ncbi.nlm.nih.gov/pmc/articles/PMC3144483/</a:t>
+            </a:r>
+          </a:p>
+        </p:txBody>
+      </p:sp>
+      <p:sp>
+        <p:nvSpPr>
+          <p:cNvPr id="4" name="Slide Number Placeholder 3">
+            <a:extLst>
+              <a:ext uri="{FF2B5EF4-FFF2-40B4-BE49-F238E27FC236}">
+                <a16:creationId xmlns:a16="http://schemas.microsoft.com/office/drawing/2014/main" id="{B9A29ACB-CBBF-58F0-F844-412D12D20796}"/>
+              </a:ext>
+            </a:extLst>
+          </p:cNvPr>
+          <p:cNvSpPr>
+            <a:spLocks noGrp="1"/>
+          </p:cNvSpPr>
+          <p:nvPr>
+            <p:ph type="sldNum" sz="quarter" idx="12"/>
+          </p:nvPr>
+        </p:nvSpPr>
+        <p:spPr/>
+        <p:txBody>
+          <a:bodyPr/>
+          <a:lstStyle/>
+          <a:p>
+            <a:fld id="{7DFC1CBA-4892-A140-A01E-A83B9C8F6E3B}" type="slidenum">
+              <a:rPr lang="en-US" smtClean="0"/>
+              <a:pPr/>
+              <a:t>14</a:t>
+            </a:fld>
+            <a:endParaRPr lang="en-US" dirty="0"/>
+          </a:p>
+        </p:txBody>
+      </p:sp>
+    </p:spTree>
+    <p:extLst>
+      <p:ext uri="{BB962C8B-B14F-4D97-AF65-F5344CB8AC3E}">
+        <p14:creationId xmlns:p14="http://schemas.microsoft.com/office/powerpoint/2010/main" val="2423900341"/>
+      </p:ext>
+    </p:extLst>
+  </p:cSld>
+  <p:clrMapOvr>
+    <a:masterClrMapping/>
+  </p:clrMapOvr>
+</p:sld>
+</file>
+
+<file path=ppt/slides/slide15.xml><?xml version="1.0" encoding="utf-8"?>
+<p:sld xmlns:a="http://schemas.openxmlformats.org/drawingml/2006/main" xmlns:r="http://schemas.openxmlformats.org/officeDocument/2006/relationships" xmlns:p="http://schemas.openxmlformats.org/presentationml/2006/main">
+  <p:cSld>
+    <p:spTree>
+      <p:nvGrpSpPr>
+        <p:cNvPr id="1" name=""/>
+        <p:cNvGrpSpPr/>
+        <p:nvPr/>
+      </p:nvGrpSpPr>
+      <p:grpSpPr>
+        <a:xfrm>
+          <a:off x="0" y="0"/>
+          <a:ext cx="0" cy="0"/>
+          <a:chOff x="0" y="0"/>
+          <a:chExt cx="0" cy="0"/>
+        </a:xfrm>
+      </p:grpSpPr>
+      <p:sp>
+        <p:nvSpPr>
+          <p:cNvPr id="2" name="Title 1">
+            <a:extLst>
+              <a:ext uri="{FF2B5EF4-FFF2-40B4-BE49-F238E27FC236}">
+                <a16:creationId xmlns:a16="http://schemas.microsoft.com/office/drawing/2014/main" id="{A3E840EF-0619-500A-F8A6-9A723D2AEAD8}"/>
+              </a:ext>
+            </a:extLst>
+          </p:cNvPr>
+          <p:cNvSpPr>
+            <a:spLocks noGrp="1"/>
+          </p:cNvSpPr>
+          <p:nvPr>
+            <p:ph type="title"/>
+          </p:nvPr>
+        </p:nvSpPr>
+        <p:spPr/>
+        <p:txBody>
+          <a:bodyPr/>
+          <a:lstStyle/>
+          <a:p>
+            <a:r>
+              <a:rPr lang="en-US" dirty="0"/>
+              <a:t>Literature Review (Cont.)</a:t>
+            </a:r>
+          </a:p>
+        </p:txBody>
+      </p:sp>
+      <p:sp>
+        <p:nvSpPr>
+          <p:cNvPr id="3" name="Content Placeholder 2">
+            <a:extLst>
+              <a:ext uri="{FF2B5EF4-FFF2-40B4-BE49-F238E27FC236}">
+                <a16:creationId xmlns:a16="http://schemas.microsoft.com/office/drawing/2014/main" id="{75AA6926-2415-310C-7486-119A8E0BCA50}"/>
+              </a:ext>
+            </a:extLst>
+          </p:cNvPr>
+          <p:cNvSpPr>
+            <a:spLocks noGrp="1"/>
+          </p:cNvSpPr>
+          <p:nvPr>
+            <p:ph idx="1"/>
+          </p:nvPr>
+        </p:nvSpPr>
+        <p:spPr/>
+        <p:txBody>
+          <a:bodyPr/>
+          <a:lstStyle/>
+          <a:p>
+            <a:r>
+              <a:rPr lang="en-US" sz="2000" dirty="0"/>
+              <a:t>Staff, J., Patrick, M.E., </a:t>
+            </a:r>
+            <a:r>
+              <a:rPr lang="en-US" sz="2000" dirty="0" err="1"/>
+              <a:t>Loken</a:t>
+            </a:r>
+            <a:r>
+              <a:rPr lang="en-US" sz="2000" dirty="0"/>
+              <a:t>, E., </a:t>
+            </a:r>
+            <a:r>
+              <a:rPr lang="en-US" sz="2000" dirty="0" err="1"/>
+              <a:t>Maggs</a:t>
+            </a:r>
+            <a:r>
+              <a:rPr lang="en-US" sz="2000" dirty="0"/>
+              <a:t>, J.L. (2008). Teenage alcohol use and educational attainment. Journal of Studies on Alcohol and Drugs, 69, 848–858. https://pubmed.ncbi.nlm.nih.gov/18925343/ </a:t>
+            </a:r>
+          </a:p>
+          <a:p>
+            <a:r>
+              <a:rPr lang="en-US" sz="2000" dirty="0"/>
+              <a:t>Lalani, N., Jimenez, R.B., Yeap, B. (2020). Understanding Propensity Score Analyses. Int J </a:t>
+            </a:r>
+            <a:r>
+              <a:rPr lang="en-US" sz="2000" dirty="0" err="1"/>
+              <a:t>Radiat</a:t>
+            </a:r>
+            <a:r>
+              <a:rPr lang="en-US" sz="2000" dirty="0"/>
+              <a:t> Oncol Biol Phys, 107(3), 404-407. </a:t>
+            </a:r>
+            <a:r>
+              <a:rPr lang="en-US" sz="2000" dirty="0" err="1"/>
+              <a:t>doi</a:t>
+            </a:r>
+            <a:r>
+              <a:rPr lang="en-US" sz="2000" dirty="0"/>
+              <a:t>: 10.1016/j.ijrobp.2020.02.638. PMID: 32531385. https://www.redjournal.org/article/ S0360-3016(20)30888-9/pdf </a:t>
+            </a:r>
+          </a:p>
+          <a:p>
+            <a:r>
+              <a:rPr lang="en-US" sz="2000" dirty="0"/>
+              <a:t>Wyse, A.E., Keesler, V., Schneider, B. (2008). Assessing the effects of small school size on mathematics achievement: A propensity score-matching approach. Teachers College Record, 110, 1879–1900. https://www.researchgate.net/ publication/269337014_Assessing_the_effect_of_small_school_size_on_mathematics_achievement_ </a:t>
+            </a:r>
+            <a:r>
+              <a:rPr lang="en-US" sz="2000" dirty="0" err="1"/>
+              <a:t>A_propensity_score_approach</a:t>
+            </a:r>
+            <a:r>
+              <a:rPr lang="en-US" sz="2000" dirty="0"/>
+              <a:t> </a:t>
+            </a:r>
+          </a:p>
+          <a:p>
+            <a:r>
+              <a:rPr lang="en-US" sz="2000" dirty="0"/>
+              <a:t>Rosenbaum, P.R., Rubin, D.B. (1983). The central role of the propensity score in observational studies for causal effects. </a:t>
+            </a:r>
+            <a:r>
+              <a:rPr lang="en-US" sz="2000" dirty="0" err="1"/>
+              <a:t>Biometrika</a:t>
+            </a:r>
+            <a:r>
+              <a:rPr lang="en-US" sz="2000" dirty="0"/>
+              <a:t>, 70, 41-55. https://www.stat.cmu.edu/~ryantibs/journalclub/rosenbaum_1983.pdf</a:t>
+            </a:r>
+          </a:p>
+        </p:txBody>
+      </p:sp>
+      <p:sp>
+        <p:nvSpPr>
+          <p:cNvPr id="4" name="Slide Number Placeholder 3">
+            <a:extLst>
+              <a:ext uri="{FF2B5EF4-FFF2-40B4-BE49-F238E27FC236}">
+                <a16:creationId xmlns:a16="http://schemas.microsoft.com/office/drawing/2014/main" id="{A34BC118-4236-E075-C99D-9657544028DF}"/>
+              </a:ext>
+            </a:extLst>
+          </p:cNvPr>
+          <p:cNvSpPr>
+            <a:spLocks noGrp="1"/>
+          </p:cNvSpPr>
+          <p:nvPr>
+            <p:ph type="sldNum" sz="quarter" idx="12"/>
+          </p:nvPr>
+        </p:nvSpPr>
+        <p:spPr/>
+        <p:txBody>
+          <a:bodyPr/>
+          <a:lstStyle/>
+          <a:p>
+            <a:fld id="{7DFC1CBA-4892-A140-A01E-A83B9C8F6E3B}" type="slidenum">
+              <a:rPr lang="en-US" smtClean="0"/>
+              <a:pPr/>
+              <a:t>15</a:t>
+            </a:fld>
+            <a:endParaRPr lang="en-US" dirty="0"/>
+          </a:p>
+        </p:txBody>
+      </p:sp>
+    </p:spTree>
+    <p:extLst>
+      <p:ext uri="{BB962C8B-B14F-4D97-AF65-F5344CB8AC3E}">
+        <p14:creationId xmlns:p14="http://schemas.microsoft.com/office/powerpoint/2010/main" val="1080586312"/>
+      </p:ext>
+    </p:extLst>
+  </p:cSld>
+  <p:clrMapOvr>
+    <a:masterClrMapping/>
+  </p:clrMapOvr>
+</p:sld>
+</file>
+
+<file path=ppt/slides/slide16.xml><?xml version="1.0" encoding="utf-8"?>
+<p:sld xmlns:a="http://schemas.openxmlformats.org/drawingml/2006/main" xmlns:r="http://schemas.openxmlformats.org/officeDocument/2006/relationships" xmlns:p="http://schemas.openxmlformats.org/presentationml/2006/main">
+  <p:cSld>
+    <p:spTree>
+      <p:nvGrpSpPr>
+        <p:cNvPr id="1" name=""/>
+        <p:cNvGrpSpPr/>
+        <p:nvPr/>
+      </p:nvGrpSpPr>
+      <p:grpSpPr>
+        <a:xfrm>
+          <a:off x="0" y="0"/>
+          <a:ext cx="0" cy="0"/>
+          <a:chOff x="0" y="0"/>
+          <a:chExt cx="0" cy="0"/>
+        </a:xfrm>
+      </p:grpSpPr>
+      <p:sp>
+        <p:nvSpPr>
+          <p:cNvPr id="2" name="Title 1">
+            <a:extLst>
+              <a:ext uri="{FF2B5EF4-FFF2-40B4-BE49-F238E27FC236}">
+                <a16:creationId xmlns:a16="http://schemas.microsoft.com/office/drawing/2014/main" id="{A3E840EF-0619-500A-F8A6-9A723D2AEAD8}"/>
+              </a:ext>
+            </a:extLst>
+          </p:cNvPr>
+          <p:cNvSpPr>
+            <a:spLocks noGrp="1"/>
+          </p:cNvSpPr>
+          <p:nvPr>
+            <p:ph type="title"/>
+          </p:nvPr>
+        </p:nvSpPr>
+        <p:spPr/>
+        <p:txBody>
+          <a:bodyPr/>
+          <a:lstStyle/>
+          <a:p>
+            <a:r>
+              <a:rPr lang="en-US" dirty="0"/>
+              <a:t>Literature Review (Cont.)</a:t>
+            </a:r>
+          </a:p>
+        </p:txBody>
+      </p:sp>
+      <p:sp>
+        <p:nvSpPr>
+          <p:cNvPr id="3" name="Content Placeholder 2">
+            <a:extLst>
+              <a:ext uri="{FF2B5EF4-FFF2-40B4-BE49-F238E27FC236}">
+                <a16:creationId xmlns:a16="http://schemas.microsoft.com/office/drawing/2014/main" id="{75AA6926-2415-310C-7486-119A8E0BCA50}"/>
+              </a:ext>
+            </a:extLst>
+          </p:cNvPr>
+          <p:cNvSpPr>
+            <a:spLocks noGrp="1"/>
+          </p:cNvSpPr>
+          <p:nvPr>
+            <p:ph idx="1"/>
+          </p:nvPr>
+        </p:nvSpPr>
+        <p:spPr/>
+        <p:txBody>
+          <a:bodyPr/>
+          <a:lstStyle/>
+          <a:p>
+            <a:r>
+              <a:rPr lang="en-US" sz="2000" dirty="0"/>
+              <a:t>Lee, D.S., Lemieux, T. (2010). Regression Discontinuity Designs in Economics. Journal of Economic Literature, 48(2), 281–355. </a:t>
+            </a:r>
+            <a:r>
+              <a:rPr lang="en-US" sz="2000" dirty="0" err="1"/>
+              <a:t>doi</a:t>
+            </a:r>
+            <a:r>
+              <a:rPr lang="en-US" sz="2000" dirty="0"/>
+              <a:t>: 10.1257/jel.48.2.281. https://www.aeaweb.org/articles?id=10.1257/jel.48.2.281 </a:t>
+            </a:r>
+          </a:p>
+          <a:p>
+            <a:r>
+              <a:rPr lang="en-US" sz="2000" dirty="0"/>
+              <a:t>Angrist, J.D., </a:t>
+            </a:r>
+            <a:r>
+              <a:rPr lang="en-US" sz="2000" dirty="0" err="1"/>
+              <a:t>Pischke</a:t>
+            </a:r>
+            <a:r>
+              <a:rPr lang="en-US" sz="2000" dirty="0"/>
+              <a:t>, J. (2009). Mostly Harmless Econometrics: An Empiricist’s Companion. Princeton University Press, Chapter 6. https://www.researchgate.net/publication/51992844_Mostly_Harmless_Econometrics_An_ </a:t>
+            </a:r>
+            <a:r>
+              <a:rPr lang="en-US" sz="2000" dirty="0" err="1"/>
+              <a:t>Empiricist’s_Companion</a:t>
+            </a:r>
+            <a:r>
+              <a:rPr lang="en-US" sz="2000" dirty="0"/>
+              <a:t> </a:t>
+            </a:r>
+          </a:p>
+          <a:p>
+            <a:r>
+              <a:rPr lang="en-US" sz="2000" dirty="0"/>
+              <a:t>Hausman, C., Rapson, D. (2018). Regression discontinuity in time: Considerations for empirical applications. Annual Review of Resource Economics, 10, 533-552. https://www.annualreviews.org/content/journals/10.1146/ annurev-resource-121517-033306 </a:t>
+            </a:r>
+          </a:p>
+          <a:p>
+            <a:r>
+              <a:rPr lang="en-US" sz="2000" dirty="0"/>
+              <a:t>Keele, L., </a:t>
+            </a:r>
+            <a:r>
+              <a:rPr lang="en-US" sz="2000" dirty="0" err="1"/>
+              <a:t>Titiunik</a:t>
+            </a:r>
+            <a:r>
+              <a:rPr lang="en-US" sz="2000" dirty="0"/>
+              <a:t>, R. (2015). Geographic boundaries as regression discontinuities. Political Analysis, 23(1), 127-155</a:t>
+            </a:r>
+          </a:p>
+        </p:txBody>
+      </p:sp>
+      <p:sp>
+        <p:nvSpPr>
+          <p:cNvPr id="4" name="Slide Number Placeholder 3">
+            <a:extLst>
+              <a:ext uri="{FF2B5EF4-FFF2-40B4-BE49-F238E27FC236}">
+                <a16:creationId xmlns:a16="http://schemas.microsoft.com/office/drawing/2014/main" id="{A34BC118-4236-E075-C99D-9657544028DF}"/>
+              </a:ext>
+            </a:extLst>
+          </p:cNvPr>
+          <p:cNvSpPr>
+            <a:spLocks noGrp="1"/>
+          </p:cNvSpPr>
+          <p:nvPr>
+            <p:ph type="sldNum" sz="quarter" idx="12"/>
+          </p:nvPr>
+        </p:nvSpPr>
+        <p:spPr/>
+        <p:txBody>
+          <a:bodyPr/>
+          <a:lstStyle/>
+          <a:p>
+            <a:fld id="{7DFC1CBA-4892-A140-A01E-A83B9C8F6E3B}" type="slidenum">
+              <a:rPr lang="en-US" smtClean="0"/>
+              <a:pPr/>
+              <a:t>16</a:t>
+            </a:fld>
+            <a:endParaRPr lang="en-US" dirty="0"/>
+          </a:p>
+        </p:txBody>
+      </p:sp>
+    </p:spTree>
+    <p:extLst>
+      <p:ext uri="{BB962C8B-B14F-4D97-AF65-F5344CB8AC3E}">
+        <p14:creationId xmlns:p14="http://schemas.microsoft.com/office/powerpoint/2010/main" val="1532444892"/>
+      </p:ext>
+    </p:extLst>
+  </p:cSld>
+  <p:clrMapOvr>
+    <a:masterClrMapping/>
+  </p:clrMapOvr>
+</p:sld>
+</file>
+
+<file path=ppt/slides/slide17.xml><?xml version="1.0" encoding="utf-8"?>
+<p:sld xmlns:a="http://schemas.openxmlformats.org/drawingml/2006/main" xmlns:r="http://schemas.openxmlformats.org/officeDocument/2006/relationships" xmlns:p="http://schemas.openxmlformats.org/presentationml/2006/main">
+  <p:cSld>
+    <p:spTree>
+      <p:nvGrpSpPr>
+        <p:cNvPr id="1" name=""/>
+        <p:cNvGrpSpPr/>
+        <p:nvPr/>
+      </p:nvGrpSpPr>
+      <p:grpSpPr>
+        <a:xfrm>
+          <a:off x="0" y="0"/>
+          <a:ext cx="0" cy="0"/>
+          <a:chOff x="0" y="0"/>
+          <a:chExt cx="0" cy="0"/>
+        </a:xfrm>
+      </p:grpSpPr>
+      <p:sp>
+        <p:nvSpPr>
+          <p:cNvPr id="2" name="Title 1">
+            <a:extLst>
+              <a:ext uri="{FF2B5EF4-FFF2-40B4-BE49-F238E27FC236}">
+                <a16:creationId xmlns:a16="http://schemas.microsoft.com/office/drawing/2014/main" id="{E8D372A0-EF1F-15B2-5E1E-2FE06EB851FE}"/>
+              </a:ext>
+            </a:extLst>
+          </p:cNvPr>
+          <p:cNvSpPr>
+            <a:spLocks noGrp="1"/>
+          </p:cNvSpPr>
+          <p:nvPr>
+            <p:ph type="title"/>
+          </p:nvPr>
+        </p:nvSpPr>
+        <p:spPr/>
+        <p:txBody>
+          <a:bodyPr/>
+          <a:lstStyle/>
+          <a:p>
+            <a:r>
+              <a:rPr lang="en-US" dirty="0"/>
+              <a:t>Literature Review (Cont.)</a:t>
+            </a:r>
+          </a:p>
+        </p:txBody>
+      </p:sp>
+      <p:sp>
+        <p:nvSpPr>
+          <p:cNvPr id="3" name="Content Placeholder 2">
+            <a:extLst>
+              <a:ext uri="{FF2B5EF4-FFF2-40B4-BE49-F238E27FC236}">
+                <a16:creationId xmlns:a16="http://schemas.microsoft.com/office/drawing/2014/main" id="{337B615D-F855-7B30-8039-753D95FABEBA}"/>
+              </a:ext>
+            </a:extLst>
+          </p:cNvPr>
+          <p:cNvSpPr>
+            <a:spLocks noGrp="1"/>
+          </p:cNvSpPr>
+          <p:nvPr>
+            <p:ph idx="1"/>
+          </p:nvPr>
+        </p:nvSpPr>
+        <p:spPr/>
+        <p:txBody>
+          <a:bodyPr/>
+          <a:lstStyle/>
+          <a:p>
+            <a:r>
+              <a:rPr lang="en-US" sz="2000" dirty="0" err="1"/>
+              <a:t>Knaus</a:t>
+            </a:r>
+            <a:r>
+              <a:rPr lang="en-US" sz="2000" dirty="0"/>
+              <a:t>, M.C., Lechner, M., </a:t>
+            </a:r>
+            <a:r>
+              <a:rPr lang="en-US" sz="2000" dirty="0" err="1"/>
+              <a:t>Strittmatter</a:t>
+            </a:r>
+            <a:r>
+              <a:rPr lang="en-US" sz="2000" dirty="0"/>
+              <a:t>, A. (2020). Machine learning estimation of heterogeneous causal effects: Empirical Monte Carlo evidence. The Econometrics Journal, 23(2), 76-91. </a:t>
+            </a:r>
+          </a:p>
+          <a:p>
+            <a:r>
+              <a:rPr lang="en-US" sz="2000" dirty="0"/>
+              <a:t>Hastie, T., </a:t>
+            </a:r>
+            <a:r>
+              <a:rPr lang="en-US" sz="2000" dirty="0" err="1"/>
+              <a:t>Tibshirani</a:t>
+            </a:r>
+            <a:r>
+              <a:rPr lang="en-US" sz="2000" dirty="0"/>
+              <a:t>, R., Friedman, J. (2009). The Elements of Statistical Learning: Data Mining, Inference, and Prediction. Springer. </a:t>
+            </a:r>
+          </a:p>
+          <a:p>
+            <a:r>
+              <a:rPr lang="en-US" sz="2000" dirty="0" err="1"/>
+              <a:t>Tutz</a:t>
+            </a:r>
+            <a:r>
+              <a:rPr lang="en-US" sz="2000" dirty="0"/>
+              <a:t>, G., Binder, H. (2006). Generalized additive modelling with implicit variable selection by likelihood based boosting. Biometrics, 62, 961–971. </a:t>
+            </a:r>
+          </a:p>
+          <a:p>
+            <a:r>
+              <a:rPr lang="en-US" sz="2000" dirty="0"/>
+              <a:t>Thielmann, A., Kruse, R.M., </a:t>
+            </a:r>
+            <a:r>
+              <a:rPr lang="en-US" sz="2000" dirty="0" err="1"/>
+              <a:t>Kneib</a:t>
+            </a:r>
+            <a:r>
+              <a:rPr lang="en-US" sz="2000" dirty="0"/>
+              <a:t>, T., </a:t>
+            </a:r>
+            <a:r>
+              <a:rPr lang="en-US" sz="2000" dirty="0" err="1"/>
+              <a:t>Säfken</a:t>
+            </a:r>
+            <a:r>
+              <a:rPr lang="en-US" sz="2000" dirty="0"/>
+              <a:t>, B. (2023). Neural Additive Models for Location Scale and Shape: A Framework for Interpretable Neural Regression Beyond the Mean. </a:t>
+            </a:r>
+            <a:r>
+              <a:rPr lang="en-US" sz="2000" dirty="0">
+                <a:hlinkClick r:id="rId2"/>
+              </a:rPr>
+              <a:t>https://ar5iv.labs.arxiv.org/html/2301.11862</a:t>
+            </a:r>
+            <a:endParaRPr lang="en-US" sz="2000" dirty="0"/>
+          </a:p>
+          <a:p>
+            <a:r>
+              <a:rPr lang="en-US" sz="2000" dirty="0" err="1"/>
+              <a:t>Murase</a:t>
+            </a:r>
+            <a:r>
+              <a:rPr lang="en-US" sz="2000" dirty="0"/>
+              <a:t>, H., Nagashima, H., </a:t>
+            </a:r>
+            <a:r>
+              <a:rPr lang="en-US" sz="2000" dirty="0" err="1"/>
+              <a:t>Yonezaki</a:t>
+            </a:r>
+            <a:r>
+              <a:rPr lang="en-US" sz="2000" dirty="0"/>
+              <a:t>, S., </a:t>
+            </a:r>
+            <a:r>
+              <a:rPr lang="en-US" sz="2000" dirty="0" err="1"/>
+              <a:t>Matsukura</a:t>
+            </a:r>
+            <a:r>
+              <a:rPr lang="en-US" sz="2000" dirty="0"/>
+              <a:t>, R., </a:t>
+            </a:r>
+            <a:r>
+              <a:rPr lang="en-US" sz="2000" dirty="0" err="1"/>
+              <a:t>Kitakado</a:t>
+            </a:r>
+            <a:r>
+              <a:rPr lang="en-US" sz="2000" dirty="0"/>
+              <a:t>, T. (2009). Application of a generalized additive model (GAM) to reveal relationships between environmental factors and distributions of pelagic fish and krill: a case study in Sendai Bay, Japan. ICES Journal of Marine Science, 66, 1417–1424. </a:t>
+            </a:r>
+          </a:p>
+        </p:txBody>
+      </p:sp>
+      <p:sp>
+        <p:nvSpPr>
+          <p:cNvPr id="4" name="Slide Number Placeholder 3">
+            <a:extLst>
+              <a:ext uri="{FF2B5EF4-FFF2-40B4-BE49-F238E27FC236}">
+                <a16:creationId xmlns:a16="http://schemas.microsoft.com/office/drawing/2014/main" id="{34D4A03D-2AA9-488F-307F-7B62E835E7A2}"/>
+              </a:ext>
+            </a:extLst>
+          </p:cNvPr>
+          <p:cNvSpPr>
+            <a:spLocks noGrp="1"/>
+          </p:cNvSpPr>
+          <p:nvPr>
+            <p:ph type="sldNum" sz="quarter" idx="12"/>
+          </p:nvPr>
+        </p:nvSpPr>
+        <p:spPr/>
+        <p:txBody>
+          <a:bodyPr/>
+          <a:lstStyle/>
+          <a:p>
+            <a:fld id="{7DFC1CBA-4892-A140-A01E-A83B9C8F6E3B}" type="slidenum">
+              <a:rPr lang="en-US" smtClean="0"/>
+              <a:pPr/>
+              <a:t>17</a:t>
+            </a:fld>
+            <a:endParaRPr lang="en-US" dirty="0"/>
+          </a:p>
+        </p:txBody>
+      </p:sp>
+    </p:spTree>
+    <p:extLst>
+      <p:ext uri="{BB962C8B-B14F-4D97-AF65-F5344CB8AC3E}">
+        <p14:creationId xmlns:p14="http://schemas.microsoft.com/office/powerpoint/2010/main" val="1118720036"/>
+      </p:ext>
+    </p:extLst>
+  </p:cSld>
+  <p:clrMapOvr>
+    <a:masterClrMapping/>
+  </p:clrMapOvr>
+</p:sld>
+</file>
+
+<file path=ppt/slides/slide18.xml><?xml version="1.0" encoding="utf-8"?>
+<p:sld xmlns:a="http://schemas.openxmlformats.org/drawingml/2006/main" xmlns:r="http://schemas.openxmlformats.org/officeDocument/2006/relationships" xmlns:p="http://schemas.openxmlformats.org/presentationml/2006/main">
+  <p:cSld>
+    <p:spTree>
+      <p:nvGrpSpPr>
+        <p:cNvPr id="1" name=""/>
+        <p:cNvGrpSpPr/>
+        <p:nvPr/>
+      </p:nvGrpSpPr>
+      <p:grpSpPr>
+        <a:xfrm>
+          <a:off x="0" y="0"/>
+          <a:ext cx="0" cy="0"/>
+          <a:chOff x="0" y="0"/>
+          <a:chExt cx="0" cy="0"/>
+        </a:xfrm>
+      </p:grpSpPr>
+      <p:sp>
+        <p:nvSpPr>
+          <p:cNvPr id="2" name="Title 1">
+            <a:extLst>
+              <a:ext uri="{FF2B5EF4-FFF2-40B4-BE49-F238E27FC236}">
+                <a16:creationId xmlns:a16="http://schemas.microsoft.com/office/drawing/2014/main" id="{5A6D18F7-AB93-ADF5-30BE-E23E12F3AEFD}"/>
+              </a:ext>
+            </a:extLst>
+          </p:cNvPr>
+          <p:cNvSpPr>
+            <a:spLocks noGrp="1"/>
+          </p:cNvSpPr>
+          <p:nvPr>
+            <p:ph type="title"/>
+          </p:nvPr>
+        </p:nvSpPr>
+        <p:spPr/>
+        <p:txBody>
+          <a:bodyPr/>
+          <a:lstStyle/>
+          <a:p>
+            <a:r>
+              <a:rPr lang="en-US" dirty="0"/>
+              <a:t>Literature Review (Cont.)</a:t>
+            </a:r>
+          </a:p>
+        </p:txBody>
+      </p:sp>
+      <p:sp>
+        <p:nvSpPr>
+          <p:cNvPr id="3" name="Content Placeholder 2">
+            <a:extLst>
+              <a:ext uri="{FF2B5EF4-FFF2-40B4-BE49-F238E27FC236}">
+                <a16:creationId xmlns:a16="http://schemas.microsoft.com/office/drawing/2014/main" id="{D352BCA6-FFF7-B14D-6694-D6737103ED06}"/>
+              </a:ext>
+            </a:extLst>
+          </p:cNvPr>
+          <p:cNvSpPr>
+            <a:spLocks noGrp="1"/>
+          </p:cNvSpPr>
+          <p:nvPr>
+            <p:ph idx="1"/>
+          </p:nvPr>
+        </p:nvSpPr>
+        <p:spPr/>
+        <p:txBody>
+          <a:bodyPr/>
+          <a:lstStyle/>
+          <a:p>
+            <a:r>
+              <a:rPr lang="en-US" sz="2000" dirty="0"/>
+              <a:t>Souza, J.B., Reisen, V.A., Franco, G.C., </a:t>
+            </a:r>
+            <a:r>
+              <a:rPr lang="en-US" sz="2000" dirty="0" err="1"/>
+              <a:t>Ispány</a:t>
+            </a:r>
+            <a:r>
+              <a:rPr lang="en-US" sz="2000" dirty="0"/>
+              <a:t>, M., </a:t>
+            </a:r>
+            <a:r>
+              <a:rPr lang="en-US" sz="2000" dirty="0" err="1"/>
+              <a:t>Bondon</a:t>
+            </a:r>
+            <a:r>
+              <a:rPr lang="en-US" sz="2000" dirty="0"/>
+              <a:t>, P., Santos, J.M. (2018). Generalized additive models with principal component analysis: an application to time series of respiratory disease and air pollution data. Journal of the Royal Statistical Society Series C: Applied Statistics, 67(2), 453–480. https://academic.oup.com/jrsssc/article/67/2/ 453/7058313</a:t>
+            </a:r>
+          </a:p>
+          <a:p>
+            <a:r>
+              <a:rPr lang="en-US" sz="2000" dirty="0"/>
+              <a:t>Ribeiro, M.T., Singh, S., </a:t>
+            </a:r>
+            <a:r>
+              <a:rPr lang="en-US" sz="2000" dirty="0" err="1"/>
+              <a:t>Guestrin</a:t>
+            </a:r>
+            <a:r>
+              <a:rPr lang="en-US" sz="2000" dirty="0"/>
+              <a:t>, C. (2016). “Why should I trust you?”: Explaining the predictions of any classifier. In Proceedings of the 22nd ACM SIGKDD International Conference on Knowledge Discovery and Data Mining (pp. 1135–1144). Association for Computing Machinery. https://doi.org/10.1145/2939672.2939778 </a:t>
+            </a:r>
+          </a:p>
+          <a:p>
+            <a:r>
+              <a:rPr lang="en-US" sz="2000" dirty="0" err="1"/>
+              <a:t>Dieber</a:t>
+            </a:r>
+            <a:r>
+              <a:rPr lang="en-US" sz="2000" dirty="0"/>
+              <a:t>, J., </a:t>
+            </a:r>
+            <a:r>
+              <a:rPr lang="en-US" sz="2000" dirty="0" err="1"/>
+              <a:t>Kirrane</a:t>
+            </a:r>
+            <a:r>
+              <a:rPr lang="en-US" sz="2000" dirty="0"/>
+              <a:t>, S. (2020). Why Model Why? Assessing the Strengths and Limitations of LIME. In Proceedings of the 2020 Conference on Fairness, Accountability, and Transparency (</a:t>
+            </a:r>
+            <a:r>
+              <a:rPr lang="en-US" sz="2000" dirty="0" err="1"/>
+              <a:t>FAccT</a:t>
+            </a:r>
+            <a:r>
+              <a:rPr lang="en-US" sz="2000" dirty="0"/>
+              <a:t> 2020). Association for Computing Machinery. https: //arxiv.org/pdf/2012.00093 </a:t>
+            </a:r>
+          </a:p>
+          <a:p>
+            <a:r>
+              <a:rPr lang="en-US" sz="2000" dirty="0"/>
+              <a:t>Alabi, R.O., </a:t>
+            </a:r>
+            <a:r>
+              <a:rPr lang="en-US" sz="2000" dirty="0" err="1"/>
+              <a:t>Elmusrati</a:t>
+            </a:r>
+            <a:r>
+              <a:rPr lang="en-US" sz="2000" dirty="0"/>
+              <a:t>, M., </a:t>
+            </a:r>
+            <a:r>
+              <a:rPr lang="en-US" sz="2000" dirty="0" err="1"/>
+              <a:t>Leivo</a:t>
+            </a:r>
+            <a:r>
+              <a:rPr lang="en-US" sz="2000" dirty="0"/>
+              <a:t>, I. et al. (2023). Machine learning explainability in nasopharyngeal cancer survival using LIME and SHAP. Scientific Reports, 13, 8984. https://doi.org/10.1038/s41598-023-35795-0 1705.07874</a:t>
+            </a:r>
+          </a:p>
+        </p:txBody>
+      </p:sp>
+      <p:sp>
+        <p:nvSpPr>
+          <p:cNvPr id="4" name="Slide Number Placeholder 3">
+            <a:extLst>
+              <a:ext uri="{FF2B5EF4-FFF2-40B4-BE49-F238E27FC236}">
+                <a16:creationId xmlns:a16="http://schemas.microsoft.com/office/drawing/2014/main" id="{869BB745-A6B2-5885-F1E9-0CE5A86D386B}"/>
+              </a:ext>
+            </a:extLst>
+          </p:cNvPr>
+          <p:cNvSpPr>
+            <a:spLocks noGrp="1"/>
+          </p:cNvSpPr>
+          <p:nvPr>
+            <p:ph type="sldNum" sz="quarter" idx="12"/>
+          </p:nvPr>
+        </p:nvSpPr>
+        <p:spPr/>
+        <p:txBody>
+          <a:bodyPr/>
+          <a:lstStyle/>
+          <a:p>
+            <a:fld id="{7DFC1CBA-4892-A140-A01E-A83B9C8F6E3B}" type="slidenum">
+              <a:rPr lang="en-US" smtClean="0"/>
+              <a:pPr/>
+              <a:t>18</a:t>
+            </a:fld>
+            <a:endParaRPr lang="en-US" dirty="0"/>
+          </a:p>
+        </p:txBody>
+      </p:sp>
+    </p:spTree>
+    <p:extLst>
+      <p:ext uri="{BB962C8B-B14F-4D97-AF65-F5344CB8AC3E}">
+        <p14:creationId xmlns:p14="http://schemas.microsoft.com/office/powerpoint/2010/main" val="3229644703"/>
+      </p:ext>
+    </p:extLst>
+  </p:cSld>
+  <p:clrMapOvr>
+    <a:masterClrMapping/>
+  </p:clrMapOvr>
+</p:sld>
+</file>
+
+<file path=ppt/slides/slide19.xml><?xml version="1.0" encoding="utf-8"?>
+<p:sld xmlns:a="http://schemas.openxmlformats.org/drawingml/2006/main" xmlns:r="http://schemas.openxmlformats.org/officeDocument/2006/relationships" xmlns:p="http://schemas.openxmlformats.org/presentationml/2006/main">
+  <p:cSld>
+    <p:spTree>
+      <p:nvGrpSpPr>
+        <p:cNvPr id="1" name=""/>
+        <p:cNvGrpSpPr/>
+        <p:nvPr/>
+      </p:nvGrpSpPr>
+      <p:grpSpPr>
+        <a:xfrm>
+          <a:off x="0" y="0"/>
+          <a:ext cx="0" cy="0"/>
+          <a:chOff x="0" y="0"/>
+          <a:chExt cx="0" cy="0"/>
+        </a:xfrm>
+      </p:grpSpPr>
+      <p:sp>
+        <p:nvSpPr>
+          <p:cNvPr id="2" name="Title 1">
+            <a:extLst>
+              <a:ext uri="{FF2B5EF4-FFF2-40B4-BE49-F238E27FC236}">
+                <a16:creationId xmlns:a16="http://schemas.microsoft.com/office/drawing/2014/main" id="{9958874C-4DE7-3922-0CA4-05C4E4999F21}"/>
+              </a:ext>
+            </a:extLst>
+          </p:cNvPr>
+          <p:cNvSpPr>
+            <a:spLocks noGrp="1"/>
+          </p:cNvSpPr>
+          <p:nvPr>
+            <p:ph type="title"/>
+          </p:nvPr>
+        </p:nvSpPr>
+        <p:spPr/>
+        <p:txBody>
+          <a:bodyPr/>
+          <a:lstStyle/>
+          <a:p>
+            <a:r>
+              <a:rPr lang="en-US" dirty="0"/>
+              <a:t>Literature Review (Cont.)</a:t>
+            </a:r>
+          </a:p>
+        </p:txBody>
+      </p:sp>
+      <p:sp>
+        <p:nvSpPr>
+          <p:cNvPr id="3" name="Content Placeholder 2">
+            <a:extLst>
+              <a:ext uri="{FF2B5EF4-FFF2-40B4-BE49-F238E27FC236}">
+                <a16:creationId xmlns:a16="http://schemas.microsoft.com/office/drawing/2014/main" id="{9E873A1A-82EC-B3F2-CF35-0ED3A608F624}"/>
+              </a:ext>
+            </a:extLst>
+          </p:cNvPr>
+          <p:cNvSpPr>
+            <a:spLocks noGrp="1"/>
+          </p:cNvSpPr>
+          <p:nvPr>
+            <p:ph idx="1"/>
+          </p:nvPr>
+        </p:nvSpPr>
+        <p:spPr/>
+        <p:txBody>
+          <a:bodyPr/>
+          <a:lstStyle/>
+          <a:p>
+            <a:r>
+              <a:rPr lang="en-US" sz="2000" dirty="0"/>
+              <a:t>Li, X., Bing, L., Lam, W., Shi, B. (2019). Transformation Networks for Target-Oriented Sentiment Classification. </a:t>
+            </a:r>
+            <a:r>
+              <a:rPr lang="en-US" sz="2000" dirty="0" err="1"/>
+              <a:t>ArXiv</a:t>
+            </a:r>
+            <a:r>
+              <a:rPr lang="en-US" sz="2000" dirty="0"/>
+              <a:t>. </a:t>
+            </a:r>
+            <a:r>
+              <a:rPr lang="en-US" sz="2000" dirty="0">
+                <a:hlinkClick r:id="rId2"/>
+              </a:rPr>
+              <a:t>https://arxiv.org/abs/1805.01086</a:t>
+            </a:r>
+            <a:endParaRPr lang="en-US" sz="2000" dirty="0"/>
+          </a:p>
+          <a:p>
+            <a:r>
+              <a:rPr lang="en-US" sz="2000" dirty="0"/>
+              <a:t>Lundberg, S.M., Lee, S.-I. (2017). A Unified Approach to Interpreting Model Predictions https://arxiv.org/abs/</a:t>
+            </a:r>
+          </a:p>
+        </p:txBody>
+      </p:sp>
+      <p:sp>
+        <p:nvSpPr>
+          <p:cNvPr id="4" name="Slide Number Placeholder 3">
+            <a:extLst>
+              <a:ext uri="{FF2B5EF4-FFF2-40B4-BE49-F238E27FC236}">
+                <a16:creationId xmlns:a16="http://schemas.microsoft.com/office/drawing/2014/main" id="{4F5F4BDE-3224-EFB9-9916-F2969F2956E3}"/>
+              </a:ext>
+            </a:extLst>
+          </p:cNvPr>
+          <p:cNvSpPr>
+            <a:spLocks noGrp="1"/>
+          </p:cNvSpPr>
+          <p:nvPr>
+            <p:ph type="sldNum" sz="quarter" idx="12"/>
+          </p:nvPr>
+        </p:nvSpPr>
+        <p:spPr/>
+        <p:txBody>
+          <a:bodyPr/>
+          <a:lstStyle/>
+          <a:p>
+            <a:fld id="{7DFC1CBA-4892-A140-A01E-A83B9C8F6E3B}" type="slidenum">
+              <a:rPr lang="en-US" smtClean="0"/>
+              <a:pPr/>
+              <a:t>19</a:t>
+            </a:fld>
+            <a:endParaRPr lang="en-US" dirty="0"/>
+          </a:p>
+        </p:txBody>
+      </p:sp>
+    </p:spTree>
+    <p:extLst>
+      <p:ext uri="{BB962C8B-B14F-4D97-AF65-F5344CB8AC3E}">
+        <p14:creationId xmlns:p14="http://schemas.microsoft.com/office/powerpoint/2010/main" val="3842175031"/>
+      </p:ext>
+    </p:extLst>
+  </p:cSld>
+  <p:clrMapOvr>
+    <a:masterClrMapping/>
+  </p:clrMapOvr>
+</p:sld>
+</file>
+
 <file path=ppt/slides/slide2.xml><?xml version="1.0" encoding="utf-8"?>
 <p:sld xmlns:a="http://schemas.openxmlformats.org/drawingml/2006/main" xmlns:r="http://schemas.openxmlformats.org/officeDocument/2006/relationships" xmlns:p="http://schemas.openxmlformats.org/presentationml/2006/main">
   <p:cSld>
@@ -4112,18 +5984,18 @@
       </p:grpSpPr>
       <p:sp>
         <p:nvSpPr>
-          <p:cNvPr id="2" name="Text Placeholder 1">
-            <a:extLst>
-              <a:ext uri="{FF2B5EF4-FFF2-40B4-BE49-F238E27FC236}">
-                <a16:creationId xmlns:a16="http://schemas.microsoft.com/office/drawing/2014/main" id="{AD71B578-928C-C975-4231-897CDAD0FAA5}"/>
-              </a:ext>
-            </a:extLst>
-          </p:cNvPr>
-          <p:cNvSpPr>
-            <a:spLocks noGrp="1"/>
-          </p:cNvSpPr>
-          <p:nvPr>
-            <p:ph type="body" idx="1"/>
+          <p:cNvPr id="2" name="Title 1">
+            <a:extLst>
+              <a:ext uri="{FF2B5EF4-FFF2-40B4-BE49-F238E27FC236}">
+                <a16:creationId xmlns:a16="http://schemas.microsoft.com/office/drawing/2014/main" id="{66624BAB-4F40-ABCE-FC46-83134EFDC80B}"/>
+              </a:ext>
+            </a:extLst>
+          </p:cNvPr>
+          <p:cNvSpPr>
+            <a:spLocks noGrp="1"/>
+          </p:cNvSpPr>
+          <p:nvPr>
+            <p:ph type="title"/>
           </p:nvPr>
         </p:nvSpPr>
         <p:spPr/>
@@ -4131,24 +6003,27 @@
           <a:bodyPr/>
           <a:lstStyle/>
           <a:p>
-            <a:endParaRPr lang="en-US"/>
-          </a:p>
-        </p:txBody>
-      </p:sp>
-      <p:sp>
-        <p:nvSpPr>
-          <p:cNvPr id="3" name="Title 2">
-            <a:extLst>
-              <a:ext uri="{FF2B5EF4-FFF2-40B4-BE49-F238E27FC236}">
-                <a16:creationId xmlns:a16="http://schemas.microsoft.com/office/drawing/2014/main" id="{ECBB390B-E4F0-FD8A-9E92-4A79A69EE985}"/>
-              </a:ext>
-            </a:extLst>
-          </p:cNvPr>
-          <p:cNvSpPr>
-            <a:spLocks noGrp="1"/>
-          </p:cNvSpPr>
-          <p:nvPr>
-            <p:ph type="title"/>
+            <a:r>
+              <a:rPr lang="en-US" dirty="0"/>
+              <a:t>Background &amp; Problem Statement</a:t>
+            </a:r>
+          </a:p>
+        </p:txBody>
+      </p:sp>
+      <p:sp>
+        <p:nvSpPr>
+          <p:cNvPr id="3" name="Content Placeholder 2">
+            <a:extLst>
+              <a:ext uri="{FF2B5EF4-FFF2-40B4-BE49-F238E27FC236}">
+                <a16:creationId xmlns:a16="http://schemas.microsoft.com/office/drawing/2014/main" id="{975D1D4C-0BD2-8BAB-C974-69B6B8D3509B}"/>
+              </a:ext>
+            </a:extLst>
+          </p:cNvPr>
+          <p:cNvSpPr>
+            <a:spLocks noGrp="1"/>
+          </p:cNvSpPr>
+          <p:nvPr>
+            <p:ph idx="1"/>
           </p:nvPr>
         </p:nvSpPr>
         <p:spPr/>
@@ -4158,7 +6033,27 @@
           <a:p>
             <a:r>
               <a:rPr lang="en-US" dirty="0"/>
-              <a:t>Literature Review</a:t>
+              <a:t>Background and Context </a:t>
+            </a:r>
+          </a:p>
+          <a:p>
+            <a:pPr lvl="1"/>
+            <a:r>
+              <a:rPr lang="en-US" dirty="0"/>
+              <a:t>Social media platforms like Twitter have become rich sources of real-time information, capturing the diversity of human expression across various contexts. This project leverages the Sentiment140 dataset, a large collection of tweets annotated with sentiment labels, to develop a sentiment analysis tool.</a:t>
+            </a:r>
+          </a:p>
+          <a:p>
+            <a:r>
+              <a:rPr lang="en-US" dirty="0"/>
+              <a:t>Problem Statement </a:t>
+            </a:r>
+          </a:p>
+          <a:p>
+            <a:pPr lvl="1"/>
+            <a:r>
+              <a:rPr lang="en-US" dirty="0"/>
+              <a:t>The primary challenge is to accurately classify the sentiment of tweets (positive or negative) using a combination of linear and non-linear machine learning models. This classification must be effective even for texts that do not contain explicit emoticons.</a:t>
             </a:r>
           </a:p>
         </p:txBody>
@@ -4168,7 +6063,7 @@
           <p:cNvPr id="4" name="Slide Number Placeholder 3">
             <a:extLst>
               <a:ext uri="{FF2B5EF4-FFF2-40B4-BE49-F238E27FC236}">
-                <a16:creationId xmlns:a16="http://schemas.microsoft.com/office/drawing/2014/main" id="{83CBD4B2-E6DA-EDB9-51AF-6797E61E9A38}"/>
+                <a16:creationId xmlns:a16="http://schemas.microsoft.com/office/drawing/2014/main" id="{EB552193-D156-E7C2-20D6-5D29D100709B}"/>
               </a:ext>
             </a:extLst>
           </p:cNvPr>
@@ -4196,7 +6091,7 @@
     </p:spTree>
     <p:extLst>
       <p:ext uri="{BB962C8B-B14F-4D97-AF65-F5344CB8AC3E}">
-        <p14:creationId xmlns:p14="http://schemas.microsoft.com/office/powerpoint/2010/main" val="4132137573"/>
+        <p14:creationId xmlns:p14="http://schemas.microsoft.com/office/powerpoint/2010/main" val="2400013501"/>
       </p:ext>
     </p:extLst>
   </p:cSld>
@@ -4225,18 +6120,18 @@
       </p:grpSpPr>
       <p:sp>
         <p:nvSpPr>
-          <p:cNvPr id="2" name="Text Placeholder 1">
-            <a:extLst>
-              <a:ext uri="{FF2B5EF4-FFF2-40B4-BE49-F238E27FC236}">
-                <a16:creationId xmlns:a16="http://schemas.microsoft.com/office/drawing/2014/main" id="{AD71B578-928C-C975-4231-897CDAD0FAA5}"/>
-              </a:ext>
-            </a:extLst>
-          </p:cNvPr>
-          <p:cNvSpPr>
-            <a:spLocks noGrp="1"/>
-          </p:cNvSpPr>
-          <p:nvPr>
-            <p:ph type="body" idx="1"/>
+          <p:cNvPr id="2" name="Title 1">
+            <a:extLst>
+              <a:ext uri="{FF2B5EF4-FFF2-40B4-BE49-F238E27FC236}">
+                <a16:creationId xmlns:a16="http://schemas.microsoft.com/office/drawing/2014/main" id="{6267002A-00AC-BABF-FC81-F270652DD557}"/>
+              </a:ext>
+            </a:extLst>
+          </p:cNvPr>
+          <p:cNvSpPr>
+            <a:spLocks noGrp="1"/>
+          </p:cNvSpPr>
+          <p:nvPr>
+            <p:ph type="title"/>
           </p:nvPr>
         </p:nvSpPr>
         <p:spPr/>
@@ -4244,24 +6139,27 @@
           <a:bodyPr/>
           <a:lstStyle/>
           <a:p>
-            <a:endParaRPr lang="en-US"/>
-          </a:p>
-        </p:txBody>
-      </p:sp>
-      <p:sp>
-        <p:nvSpPr>
-          <p:cNvPr id="3" name="Title 2">
-            <a:extLst>
-              <a:ext uri="{FF2B5EF4-FFF2-40B4-BE49-F238E27FC236}">
-                <a16:creationId xmlns:a16="http://schemas.microsoft.com/office/drawing/2014/main" id="{ECBB390B-E4F0-FD8A-9E92-4A79A69EE985}"/>
-              </a:ext>
-            </a:extLst>
-          </p:cNvPr>
-          <p:cNvSpPr>
-            <a:spLocks noGrp="1"/>
-          </p:cNvSpPr>
-          <p:nvPr>
-            <p:ph type="title"/>
+            <a:r>
+              <a:rPr lang="en-US" dirty="0"/>
+              <a:t>Objectives</a:t>
+            </a:r>
+          </a:p>
+        </p:txBody>
+      </p:sp>
+      <p:sp>
+        <p:nvSpPr>
+          <p:cNvPr id="3" name="Content Placeholder 2">
+            <a:extLst>
+              <a:ext uri="{FF2B5EF4-FFF2-40B4-BE49-F238E27FC236}">
+                <a16:creationId xmlns:a16="http://schemas.microsoft.com/office/drawing/2014/main" id="{C79A4119-8193-251D-2802-1FBF3584544E}"/>
+              </a:ext>
+            </a:extLst>
+          </p:cNvPr>
+          <p:cNvSpPr>
+            <a:spLocks noGrp="1"/>
+          </p:cNvSpPr>
+          <p:nvPr>
+            <p:ph idx="1"/>
           </p:nvPr>
         </p:nvSpPr>
         <p:spPr/>
@@ -4271,8 +6169,57 @@
           <a:p>
             <a:r>
               <a:rPr lang="en-US" dirty="0"/>
-              <a:t>Methods</a:t>
-            </a:r>
+              <a:t>1. Develop a Sentiment Analysis Tool</a:t>
+            </a:r>
+          </a:p>
+          <a:p>
+            <a:pPr lvl="1"/>
+            <a:r>
+              <a:rPr lang="en-US" dirty="0"/>
+              <a:t>Create a tool that can classify sentiments in tweets using both traditional and advanced machine learning models. </a:t>
+            </a:r>
+          </a:p>
+          <a:p>
+            <a:r>
+              <a:rPr lang="en-US" dirty="0"/>
+              <a:t>2. XAI Techniques</a:t>
+            </a:r>
+          </a:p>
+          <a:p>
+            <a:pPr lvl="1"/>
+            <a:r>
+              <a:rPr lang="en-US" dirty="0"/>
+              <a:t>Use XAI methods like LIME and SHAP to make the model’s decision-making process transparent and interpretable. </a:t>
+            </a:r>
+          </a:p>
+          <a:p>
+            <a:r>
+              <a:rPr lang="en-US" dirty="0"/>
+              <a:t>3. Evaluate Model Performance</a:t>
+            </a:r>
+          </a:p>
+          <a:p>
+            <a:pPr lvl="1"/>
+            <a:r>
+              <a:rPr lang="en-US" dirty="0"/>
+              <a:t>Use cross-validation and independent test sets to assess the performance of the models. </a:t>
+            </a:r>
+          </a:p>
+          <a:p>
+            <a:r>
+              <a:rPr lang="en-US" dirty="0"/>
+              <a:t>4. Causal Analysis</a:t>
+            </a:r>
+          </a:p>
+          <a:p>
+            <a:pPr lvl="1"/>
+            <a:r>
+              <a:rPr lang="en-US" dirty="0"/>
+              <a:t>Apply causal inference techniques to uncover and understand causal relationships within the data. </a:t>
+            </a:r>
+          </a:p>
+          <a:p>
+            <a:endParaRPr lang="en-US" dirty="0"/>
           </a:p>
         </p:txBody>
       </p:sp>
@@ -4281,7 +6228,7 @@
           <p:cNvPr id="4" name="Slide Number Placeholder 3">
             <a:extLst>
               <a:ext uri="{FF2B5EF4-FFF2-40B4-BE49-F238E27FC236}">
-                <a16:creationId xmlns:a16="http://schemas.microsoft.com/office/drawing/2014/main" id="{83CBD4B2-E6DA-EDB9-51AF-6797E61E9A38}"/>
+                <a16:creationId xmlns:a16="http://schemas.microsoft.com/office/drawing/2014/main" id="{93F6699A-831D-665C-04CF-921D75C7ED60}"/>
               </a:ext>
             </a:extLst>
           </p:cNvPr>
@@ -4309,7 +6256,7 @@
     </p:spTree>
     <p:extLst>
       <p:ext uri="{BB962C8B-B14F-4D97-AF65-F5344CB8AC3E}">
-        <p14:creationId xmlns:p14="http://schemas.microsoft.com/office/powerpoint/2010/main" val="2080636245"/>
+        <p14:creationId xmlns:p14="http://schemas.microsoft.com/office/powerpoint/2010/main" val="717474132"/>
       </p:ext>
     </p:extLst>
   </p:cSld>
@@ -4384,7 +6331,7 @@
           <a:p>
             <a:r>
               <a:rPr lang="en-US" dirty="0"/>
-              <a:t>Results</a:t>
+              <a:t>Literature Review</a:t>
             </a:r>
           </a:p>
         </p:txBody>
@@ -4422,7 +6369,7 @@
     </p:spTree>
     <p:extLst>
       <p:ext uri="{BB962C8B-B14F-4D97-AF65-F5344CB8AC3E}">
-        <p14:creationId xmlns:p14="http://schemas.microsoft.com/office/powerpoint/2010/main" val="2481569639"/>
+        <p14:creationId xmlns:p14="http://schemas.microsoft.com/office/powerpoint/2010/main" val="4132137573"/>
       </p:ext>
     </p:extLst>
   </p:cSld>
@@ -4451,18 +6398,18 @@
       </p:grpSpPr>
       <p:sp>
         <p:nvSpPr>
-          <p:cNvPr id="2" name="Text Placeholder 1">
-            <a:extLst>
-              <a:ext uri="{FF2B5EF4-FFF2-40B4-BE49-F238E27FC236}">
-                <a16:creationId xmlns:a16="http://schemas.microsoft.com/office/drawing/2014/main" id="{AD71B578-928C-C975-4231-897CDAD0FAA5}"/>
-              </a:ext>
-            </a:extLst>
-          </p:cNvPr>
-          <p:cNvSpPr>
-            <a:spLocks noGrp="1"/>
-          </p:cNvSpPr>
-          <p:nvPr>
-            <p:ph type="body" idx="1"/>
+          <p:cNvPr id="2" name="Title 1">
+            <a:extLst>
+              <a:ext uri="{FF2B5EF4-FFF2-40B4-BE49-F238E27FC236}">
+                <a16:creationId xmlns:a16="http://schemas.microsoft.com/office/drawing/2014/main" id="{C3A703F3-B20A-8923-7123-E69410C7B09C}"/>
+              </a:ext>
+            </a:extLst>
+          </p:cNvPr>
+          <p:cNvSpPr>
+            <a:spLocks noGrp="1"/>
+          </p:cNvSpPr>
+          <p:nvPr>
+            <p:ph type="title"/>
           </p:nvPr>
         </p:nvSpPr>
         <p:spPr/>
@@ -4470,34 +6417,126 @@
           <a:bodyPr/>
           <a:lstStyle/>
           <a:p>
-            <a:endParaRPr lang="en-US"/>
-          </a:p>
-        </p:txBody>
-      </p:sp>
-      <p:sp>
-        <p:nvSpPr>
-          <p:cNvPr id="3" name="Title 2">
-            <a:extLst>
-              <a:ext uri="{FF2B5EF4-FFF2-40B4-BE49-F238E27FC236}">
-                <a16:creationId xmlns:a16="http://schemas.microsoft.com/office/drawing/2014/main" id="{ECBB390B-E4F0-FD8A-9E92-4A79A69EE985}"/>
-              </a:ext>
-            </a:extLst>
-          </p:cNvPr>
-          <p:cNvSpPr>
-            <a:spLocks noGrp="1"/>
-          </p:cNvSpPr>
-          <p:nvPr>
-            <p:ph type="title"/>
-          </p:nvPr>
-        </p:nvSpPr>
-        <p:spPr/>
+            <a:r>
+              <a:rPr lang="en-US" dirty="0"/>
+              <a:t>Sentiment Analysis in Twitter Using Machine Learning Techniques</a:t>
+            </a:r>
+          </a:p>
+        </p:txBody>
+      </p:sp>
+      <p:sp>
+        <p:nvSpPr>
+          <p:cNvPr id="3" name="Content Placeholder 2">
+            <a:extLst>
+              <a:ext uri="{FF2B5EF4-FFF2-40B4-BE49-F238E27FC236}">
+                <a16:creationId xmlns:a16="http://schemas.microsoft.com/office/drawing/2014/main" id="{DAB5E19D-42E2-B867-D4C2-72215C159380}"/>
+              </a:ext>
+            </a:extLst>
+          </p:cNvPr>
+          <p:cNvSpPr>
+            <a:spLocks noGrp="1"/>
+          </p:cNvSpPr>
+          <p:nvPr>
+            <p:ph idx="1"/>
+          </p:nvPr>
+        </p:nvSpPr>
+        <p:spPr>
+          <a:xfrm>
+            <a:off x="838200" y="1534136"/>
+            <a:ext cx="10515600" cy="4790464"/>
+          </a:xfrm>
+        </p:spPr>
         <p:txBody>
           <a:bodyPr/>
           <a:lstStyle/>
           <a:p>
             <a:r>
               <a:rPr lang="en-US" dirty="0"/>
-              <a:t>References</a:t>
+              <a:t>Challenge</a:t>
+            </a:r>
+          </a:p>
+          <a:p>
+            <a:pPr lvl="1"/>
+            <a:r>
+              <a:rPr lang="en-US" dirty="0"/>
+              <a:t>Informal language &amp; short tweets present classification difficulties for classification models</a:t>
+            </a:r>
+          </a:p>
+          <a:p>
+            <a:r>
+              <a:rPr lang="en-US" dirty="0"/>
+              <a:t>Proposed Solutions</a:t>
+            </a:r>
+          </a:p>
+          <a:p>
+            <a:pPr lvl="1"/>
+            <a:r>
+              <a:rPr lang="en-US" b="1" dirty="0"/>
+              <a:t>Preprocessing: </a:t>
+            </a:r>
+            <a:r>
+              <a:rPr lang="en-US" dirty="0"/>
+              <a:t>This step includes removing URLs, handling slang, and correcting misspellings.</a:t>
+            </a:r>
+          </a:p>
+          <a:p>
+            <a:pPr lvl="1"/>
+            <a:r>
+              <a:rPr lang="en-US" b="1" dirty="0"/>
+              <a:t>Feature Extraction: </a:t>
+            </a:r>
+            <a:r>
+              <a:rPr lang="en-US" dirty="0"/>
+              <a:t>Extraction of Twitter-specific features like hashtags and emoticons</a:t>
+            </a:r>
+          </a:p>
+          <a:p>
+            <a:pPr lvl="1"/>
+            <a:r>
+              <a:rPr lang="en-US" b="1" dirty="0"/>
+              <a:t>Classification Models post Preprocessing &amp; Feature Extraction:</a:t>
+            </a:r>
+            <a:endParaRPr lang="en-US" dirty="0"/>
+          </a:p>
+          <a:p>
+            <a:pPr lvl="2"/>
+            <a:r>
+              <a:rPr lang="en-US" dirty="0"/>
+              <a:t>Naive Bayes (NB) </a:t>
+            </a:r>
+          </a:p>
+          <a:p>
+            <a:pPr lvl="2"/>
+            <a:r>
+              <a:rPr lang="en-US" dirty="0"/>
+              <a:t>Support Vector Machine (SVM) </a:t>
+            </a:r>
+          </a:p>
+          <a:p>
+            <a:pPr lvl="2"/>
+            <a:r>
+              <a:rPr lang="en-US" dirty="0"/>
+              <a:t>Maximum Entropy (ME) </a:t>
+            </a:r>
+          </a:p>
+          <a:p>
+            <a:pPr lvl="2"/>
+            <a:r>
+              <a:rPr lang="en-US" dirty="0"/>
+              <a:t>Ensemble Classifier: Combines NB, SVM, and ME using a voting mechanism</a:t>
+            </a:r>
+          </a:p>
+          <a:p>
+            <a:r>
+              <a:rPr lang="en-US" dirty="0"/>
+              <a:t>Relevance / Adaptability</a:t>
+            </a:r>
+          </a:p>
+          <a:p>
+            <a:pPr lvl="1"/>
+            <a:r>
+              <a:rPr lang="en-US" dirty="0"/>
+              <a:t>Preprocessing &amp; Feature Extraction are used in the following model in this presentation</a:t>
             </a:r>
           </a:p>
         </p:txBody>
@@ -4507,7 +6546,7 @@
           <p:cNvPr id="4" name="Slide Number Placeholder 3">
             <a:extLst>
               <a:ext uri="{FF2B5EF4-FFF2-40B4-BE49-F238E27FC236}">
-                <a16:creationId xmlns:a16="http://schemas.microsoft.com/office/drawing/2014/main" id="{83CBD4B2-E6DA-EDB9-51AF-6797E61E9A38}"/>
+                <a16:creationId xmlns:a16="http://schemas.microsoft.com/office/drawing/2014/main" id="{12FC5778-E013-537B-AC6E-882C6AD945D3}"/>
               </a:ext>
             </a:extLst>
           </p:cNvPr>
@@ -4532,10 +6571,519 @@
           </a:p>
         </p:txBody>
       </p:sp>
+      <p:sp>
+        <p:nvSpPr>
+          <p:cNvPr id="6" name="TextBox 5">
+            <a:extLst>
+              <a:ext uri="{FF2B5EF4-FFF2-40B4-BE49-F238E27FC236}">
+                <a16:creationId xmlns:a16="http://schemas.microsoft.com/office/drawing/2014/main" id="{9B21A170-0623-9845-6B52-CC488F1CE941}"/>
+              </a:ext>
+            </a:extLst>
+          </p:cNvPr>
+          <p:cNvSpPr txBox="1"/>
+          <p:nvPr/>
+        </p:nvSpPr>
+        <p:spPr>
+          <a:xfrm>
+            <a:off x="838200" y="6098506"/>
+            <a:ext cx="10985500" cy="261610"/>
+          </a:xfrm>
+          <a:prstGeom prst="rect">
+            <a:avLst/>
+          </a:prstGeom>
+          <a:noFill/>
+        </p:spPr>
+        <p:txBody>
+          <a:bodyPr wrap="square" rtlCol="0">
+            <a:spAutoFit/>
+          </a:bodyPr>
+          <a:lstStyle/>
+          <a:p>
+            <a:r>
+              <a:rPr lang="en-US" sz="1100" dirty="0"/>
+              <a:t>Neethu M S, </a:t>
+            </a:r>
+            <a:r>
+              <a:rPr lang="en-US" sz="1100" dirty="0" err="1"/>
+              <a:t>Rajasree</a:t>
+            </a:r>
+            <a:r>
+              <a:rPr lang="en-US" sz="1100" dirty="0"/>
+              <a:t> R, "Sentiment Analysis in Twitter Using Machine Learning Techniques," 4th ICCCNT 2013, IEEE, 2013.</a:t>
+            </a:r>
+          </a:p>
+        </p:txBody>
+      </p:sp>
     </p:spTree>
     <p:extLst>
       <p:ext uri="{BB962C8B-B14F-4D97-AF65-F5344CB8AC3E}">
-        <p14:creationId xmlns:p14="http://schemas.microsoft.com/office/powerpoint/2010/main" val="1846824499"/>
+        <p14:creationId xmlns:p14="http://schemas.microsoft.com/office/powerpoint/2010/main" val="3533620728"/>
+      </p:ext>
+    </p:extLst>
+  </p:cSld>
+  <p:clrMapOvr>
+    <a:masterClrMapping/>
+  </p:clrMapOvr>
+</p:sld>
+</file>
+
+<file path=ppt/slides/slide8.xml><?xml version="1.0" encoding="utf-8"?>
+<p:sld xmlns:a="http://schemas.openxmlformats.org/drawingml/2006/main" xmlns:r="http://schemas.openxmlformats.org/officeDocument/2006/relationships" xmlns:p="http://schemas.openxmlformats.org/presentationml/2006/main">
+  <p:cSld>
+    <p:spTree>
+      <p:nvGrpSpPr>
+        <p:cNvPr id="1" name=""/>
+        <p:cNvGrpSpPr/>
+        <p:nvPr/>
+      </p:nvGrpSpPr>
+      <p:grpSpPr>
+        <a:xfrm>
+          <a:off x="0" y="0"/>
+          <a:ext cx="0" cy="0"/>
+          <a:chOff x="0" y="0"/>
+          <a:chExt cx="0" cy="0"/>
+        </a:xfrm>
+      </p:grpSpPr>
+      <p:sp>
+        <p:nvSpPr>
+          <p:cNvPr id="2" name="Title 1">
+            <a:extLst>
+              <a:ext uri="{FF2B5EF4-FFF2-40B4-BE49-F238E27FC236}">
+                <a16:creationId xmlns:a16="http://schemas.microsoft.com/office/drawing/2014/main" id="{399A1913-C721-19CF-20C5-50DD482AC7C3}"/>
+              </a:ext>
+            </a:extLst>
+          </p:cNvPr>
+          <p:cNvSpPr>
+            <a:spLocks noGrp="1"/>
+          </p:cNvSpPr>
+          <p:nvPr>
+            <p:ph type="title"/>
+          </p:nvPr>
+        </p:nvSpPr>
+        <p:spPr/>
+        <p:txBody>
+          <a:bodyPr/>
+          <a:lstStyle/>
+          <a:p>
+            <a:r>
+              <a:rPr lang="en-US" dirty="0"/>
+              <a:t>ABCDM: An Attention-based Bidirectional CNN-RNN Deep Model for Sentiment Analysis</a:t>
+            </a:r>
+          </a:p>
+        </p:txBody>
+      </p:sp>
+      <p:sp>
+        <p:nvSpPr>
+          <p:cNvPr id="3" name="Content Placeholder 2">
+            <a:extLst>
+              <a:ext uri="{FF2B5EF4-FFF2-40B4-BE49-F238E27FC236}">
+                <a16:creationId xmlns:a16="http://schemas.microsoft.com/office/drawing/2014/main" id="{DEF91687-C700-BC4B-C59F-DAB3FBBEA1C7}"/>
+              </a:ext>
+            </a:extLst>
+          </p:cNvPr>
+          <p:cNvSpPr>
+            <a:spLocks noGrp="1"/>
+          </p:cNvSpPr>
+          <p:nvPr>
+            <p:ph idx="1"/>
+          </p:nvPr>
+        </p:nvSpPr>
+        <p:spPr>
+          <a:xfrm>
+            <a:off x="838200" y="1534136"/>
+            <a:ext cx="11204788" cy="4726964"/>
+          </a:xfrm>
+        </p:spPr>
+        <p:txBody>
+          <a:bodyPr/>
+          <a:lstStyle/>
+          <a:p>
+            <a:r>
+              <a:rPr lang="en-US" dirty="0"/>
+              <a:t>Challenge</a:t>
+            </a:r>
+          </a:p>
+          <a:p>
+            <a:pPr lvl="1"/>
+            <a:r>
+              <a:rPr lang="en-US" dirty="0"/>
+              <a:t>Individual sentiment classification techniques can have limitations, especially when translating short form methods to long form text</a:t>
+            </a:r>
+          </a:p>
+          <a:p>
+            <a:r>
+              <a:rPr lang="en-US" dirty="0"/>
+              <a:t>Proposed Solutions</a:t>
+            </a:r>
+          </a:p>
+          <a:p>
+            <a:pPr lvl="1"/>
+            <a:r>
+              <a:rPr lang="en-US" b="1" dirty="0"/>
+              <a:t>CNNs and RNNs: </a:t>
+            </a:r>
+            <a:r>
+              <a:rPr lang="en-US" dirty="0"/>
+              <a:t>Identify word &amp; phrase relationships over longer passages.</a:t>
+            </a:r>
+          </a:p>
+          <a:p>
+            <a:pPr lvl="1"/>
+            <a:r>
+              <a:rPr lang="en-US" b="1" dirty="0"/>
+              <a:t>Attention Mechanism: </a:t>
+            </a:r>
+            <a:r>
+              <a:rPr lang="en-US" dirty="0"/>
+              <a:t>Understands the context and semantics of the text. </a:t>
+            </a:r>
+          </a:p>
+          <a:p>
+            <a:pPr lvl="1"/>
+            <a:r>
+              <a:rPr lang="en-US" b="1" dirty="0"/>
+              <a:t>Bidirectional Processing: </a:t>
+            </a:r>
+            <a:r>
+              <a:rPr lang="en-US" dirty="0"/>
+              <a:t>Provides enhanced context by considering words before and after the target word. </a:t>
+            </a:r>
+          </a:p>
+          <a:p>
+            <a:pPr lvl="1"/>
+            <a:r>
+              <a:rPr lang="en-US" b="1" dirty="0"/>
+              <a:t>Deep Architecture: </a:t>
+            </a:r>
+            <a:r>
+              <a:rPr lang="en-US" dirty="0"/>
+              <a:t>Incorporates multiple CNNs and RNNs for greater data processing and comprehension.</a:t>
+            </a:r>
+          </a:p>
+          <a:p>
+            <a:r>
+              <a:rPr lang="en-US" dirty="0"/>
+              <a:t>Relevance / Adaptability</a:t>
+            </a:r>
+          </a:p>
+          <a:p>
+            <a:pPr lvl="1"/>
+            <a:r>
+              <a:rPr lang="en-US" dirty="0"/>
+              <a:t>Provides a set of advanced techniques that can be employed if effectiveness of initial approach is limited or if this model is to be scaled to be effective on long form text</a:t>
+            </a:r>
+          </a:p>
+        </p:txBody>
+      </p:sp>
+      <p:sp>
+        <p:nvSpPr>
+          <p:cNvPr id="4" name="Slide Number Placeholder 3">
+            <a:extLst>
+              <a:ext uri="{FF2B5EF4-FFF2-40B4-BE49-F238E27FC236}">
+                <a16:creationId xmlns:a16="http://schemas.microsoft.com/office/drawing/2014/main" id="{7E8220D9-0039-F8D3-3587-7979D2763A55}"/>
+              </a:ext>
+            </a:extLst>
+          </p:cNvPr>
+          <p:cNvSpPr>
+            <a:spLocks noGrp="1"/>
+          </p:cNvSpPr>
+          <p:nvPr>
+            <p:ph type="sldNum" sz="quarter" idx="12"/>
+          </p:nvPr>
+        </p:nvSpPr>
+        <p:spPr/>
+        <p:txBody>
+          <a:bodyPr/>
+          <a:lstStyle/>
+          <a:p>
+            <a:fld id="{7DFC1CBA-4892-A140-A01E-A83B9C8F6E3B}" type="slidenum">
+              <a:rPr lang="en-US" smtClean="0"/>
+              <a:pPr/>
+              <a:t>8</a:t>
+            </a:fld>
+            <a:endParaRPr lang="en-US" dirty="0"/>
+          </a:p>
+        </p:txBody>
+      </p:sp>
+      <p:sp>
+        <p:nvSpPr>
+          <p:cNvPr id="7" name="TextBox 6">
+            <a:extLst>
+              <a:ext uri="{FF2B5EF4-FFF2-40B4-BE49-F238E27FC236}">
+                <a16:creationId xmlns:a16="http://schemas.microsoft.com/office/drawing/2014/main" id="{CD13DAEE-56CE-0EF5-AE46-5AD12B0DF405}"/>
+              </a:ext>
+            </a:extLst>
+          </p:cNvPr>
+          <p:cNvSpPr txBox="1"/>
+          <p:nvPr/>
+        </p:nvSpPr>
+        <p:spPr>
+          <a:xfrm>
+            <a:off x="838200" y="6098506"/>
+            <a:ext cx="10985500" cy="261610"/>
+          </a:xfrm>
+          <a:prstGeom prst="rect">
+            <a:avLst/>
+          </a:prstGeom>
+          <a:noFill/>
+        </p:spPr>
+        <p:txBody>
+          <a:bodyPr wrap="square" rtlCol="0">
+            <a:spAutoFit/>
+          </a:bodyPr>
+          <a:lstStyle/>
+          <a:p>
+            <a:r>
+              <a:rPr lang="en-US" sz="1100" dirty="0" err="1"/>
+              <a:t>Basiri</a:t>
+            </a:r>
+            <a:r>
+              <a:rPr lang="en-US" sz="1100" dirty="0"/>
+              <a:t>, Mohammad Ehsan, et al. "ABCDM: An Attention-based Bidirectional CNN-RNN Deep Model for Sentiment Analysis." Expert Systems with Applications 149 (2020): 113240.</a:t>
+            </a:r>
+          </a:p>
+        </p:txBody>
+      </p:sp>
+    </p:spTree>
+    <p:extLst>
+      <p:ext uri="{BB962C8B-B14F-4D97-AF65-F5344CB8AC3E}">
+        <p14:creationId xmlns:p14="http://schemas.microsoft.com/office/powerpoint/2010/main" val="3401918250"/>
+      </p:ext>
+    </p:extLst>
+  </p:cSld>
+  <p:clrMapOvr>
+    <a:masterClrMapping/>
+  </p:clrMapOvr>
+</p:sld>
+</file>
+
+<file path=ppt/slides/slide9.xml><?xml version="1.0" encoding="utf-8"?>
+<p:sld xmlns:a="http://schemas.openxmlformats.org/drawingml/2006/main" xmlns:r="http://schemas.openxmlformats.org/officeDocument/2006/relationships" xmlns:p="http://schemas.openxmlformats.org/presentationml/2006/main">
+  <p:cSld>
+    <p:spTree>
+      <p:nvGrpSpPr>
+        <p:cNvPr id="1" name=""/>
+        <p:cNvGrpSpPr/>
+        <p:nvPr/>
+      </p:nvGrpSpPr>
+      <p:grpSpPr>
+        <a:xfrm>
+          <a:off x="0" y="0"/>
+          <a:ext cx="0" cy="0"/>
+          <a:chOff x="0" y="0"/>
+          <a:chExt cx="0" cy="0"/>
+        </a:xfrm>
+      </p:grpSpPr>
+      <p:sp>
+        <p:nvSpPr>
+          <p:cNvPr id="2" name="Title 1">
+            <a:extLst>
+              <a:ext uri="{FF2B5EF4-FFF2-40B4-BE49-F238E27FC236}">
+                <a16:creationId xmlns:a16="http://schemas.microsoft.com/office/drawing/2014/main" id="{64AE9F79-384F-58E1-A072-B1AD78A7EE49}"/>
+              </a:ext>
+            </a:extLst>
+          </p:cNvPr>
+          <p:cNvSpPr>
+            <a:spLocks noGrp="1"/>
+          </p:cNvSpPr>
+          <p:nvPr>
+            <p:ph type="title"/>
+          </p:nvPr>
+        </p:nvSpPr>
+        <p:spPr/>
+        <p:txBody>
+          <a:bodyPr/>
+          <a:lstStyle/>
+          <a:p>
+            <a:r>
+              <a:rPr lang="en-US" dirty="0"/>
+              <a:t>Sentiment Analysis in the Age of Generative AI</a:t>
+            </a:r>
+          </a:p>
+        </p:txBody>
+      </p:sp>
+      <p:sp>
+        <p:nvSpPr>
+          <p:cNvPr id="3" name="Content Placeholder 2">
+            <a:extLst>
+              <a:ext uri="{FF2B5EF4-FFF2-40B4-BE49-F238E27FC236}">
+                <a16:creationId xmlns:a16="http://schemas.microsoft.com/office/drawing/2014/main" id="{51D86A52-2929-E60F-316B-C2518A7F2E5A}"/>
+              </a:ext>
+            </a:extLst>
+          </p:cNvPr>
+          <p:cNvSpPr>
+            <a:spLocks noGrp="1"/>
+          </p:cNvSpPr>
+          <p:nvPr>
+            <p:ph idx="1"/>
+          </p:nvPr>
+        </p:nvSpPr>
+        <p:spPr>
+          <a:xfrm>
+            <a:off x="838200" y="1534136"/>
+            <a:ext cx="11204788" cy="4663464"/>
+          </a:xfrm>
+        </p:spPr>
+        <p:txBody>
+          <a:bodyPr/>
+          <a:lstStyle/>
+          <a:p>
+            <a:r>
+              <a:rPr lang="en-US" dirty="0"/>
+              <a:t>Challenge</a:t>
+            </a:r>
+          </a:p>
+          <a:p>
+            <a:pPr lvl="1"/>
+            <a:r>
+              <a:rPr lang="en-US" dirty="0"/>
+              <a:t>Initial sentiment classification models may have limitations from being trained in a specific, closed environment; LLM’s may not have this limitation</a:t>
+            </a:r>
+          </a:p>
+          <a:p>
+            <a:r>
+              <a:rPr lang="en-US" dirty="0"/>
+              <a:t>Proposed Solutions</a:t>
+            </a:r>
+          </a:p>
+          <a:p>
+            <a:pPr lvl="1"/>
+            <a:r>
+              <a:rPr lang="en-US" dirty="0"/>
+              <a:t>Compare classification from GPT-3.5, GPT-4, and Llama 2 against traditional transfer learning models like </a:t>
+            </a:r>
+            <a:r>
+              <a:rPr lang="en-US" dirty="0" err="1"/>
+              <a:t>SiEBERT</a:t>
+            </a:r>
+            <a:r>
+              <a:rPr lang="en-US" dirty="0"/>
+              <a:t> and fine-tuned </a:t>
+            </a:r>
+            <a:r>
+              <a:rPr lang="en-US" dirty="0" err="1"/>
+              <a:t>RoBERTa</a:t>
+            </a:r>
+            <a:endParaRPr lang="en-US" dirty="0"/>
+          </a:p>
+          <a:p>
+            <a:pPr lvl="1"/>
+            <a:r>
+              <a:rPr lang="en-US" dirty="0"/>
+              <a:t>The LLMs were able to perform similarly to </a:t>
+            </a:r>
+            <a:r>
+              <a:rPr lang="en-US" dirty="0" err="1"/>
+              <a:t>SiEBERT</a:t>
+            </a:r>
+            <a:r>
+              <a:rPr lang="en-US" dirty="0"/>
+              <a:t> and fine-tuned </a:t>
+            </a:r>
+            <a:r>
+              <a:rPr lang="en-US" dirty="0" err="1"/>
+              <a:t>RoBERTa</a:t>
+            </a:r>
+            <a:r>
+              <a:rPr lang="en-US" dirty="0"/>
+              <a:t>, showing that they are a viable alternative for sentiment classification</a:t>
+            </a:r>
+          </a:p>
+          <a:p>
+            <a:r>
+              <a:rPr lang="en-US" dirty="0"/>
+              <a:t>Relevance / Adaptability</a:t>
+            </a:r>
+          </a:p>
+          <a:p>
+            <a:pPr lvl="1"/>
+            <a:r>
+              <a:rPr lang="en-US" dirty="0"/>
+              <a:t>GPT-4 and Llama 2 were considered as a supplement to the project in case there was a need to simplify the process of adapting the model to new types of text data by leveraging the pre-trained capabilities of these models. </a:t>
+            </a:r>
+          </a:p>
+          <a:p>
+            <a:pPr lvl="1"/>
+            <a:r>
+              <a:rPr lang="en-US" dirty="0"/>
+              <a:t>The paper stressed the importance of preprocessing to handle text complexity and structured content</a:t>
+            </a:r>
+          </a:p>
+        </p:txBody>
+      </p:sp>
+      <p:sp>
+        <p:nvSpPr>
+          <p:cNvPr id="4" name="Slide Number Placeholder 3">
+            <a:extLst>
+              <a:ext uri="{FF2B5EF4-FFF2-40B4-BE49-F238E27FC236}">
+                <a16:creationId xmlns:a16="http://schemas.microsoft.com/office/drawing/2014/main" id="{3752A228-DF7A-8EEA-1565-FCF293CDAAA2}"/>
+              </a:ext>
+            </a:extLst>
+          </p:cNvPr>
+          <p:cNvSpPr>
+            <a:spLocks noGrp="1"/>
+          </p:cNvSpPr>
+          <p:nvPr>
+            <p:ph type="sldNum" sz="quarter" idx="12"/>
+          </p:nvPr>
+        </p:nvSpPr>
+        <p:spPr/>
+        <p:txBody>
+          <a:bodyPr/>
+          <a:lstStyle/>
+          <a:p>
+            <a:fld id="{7DFC1CBA-4892-A140-A01E-A83B9C8F6E3B}" type="slidenum">
+              <a:rPr lang="en-US" smtClean="0"/>
+              <a:pPr/>
+              <a:t>9</a:t>
+            </a:fld>
+            <a:endParaRPr lang="en-US" dirty="0"/>
+          </a:p>
+        </p:txBody>
+      </p:sp>
+      <p:sp>
+        <p:nvSpPr>
+          <p:cNvPr id="5" name="TextBox 4">
+            <a:extLst>
+              <a:ext uri="{FF2B5EF4-FFF2-40B4-BE49-F238E27FC236}">
+                <a16:creationId xmlns:a16="http://schemas.microsoft.com/office/drawing/2014/main" id="{F04BC046-62E1-6F17-ABD1-55EB20141CB8}"/>
+              </a:ext>
+            </a:extLst>
+          </p:cNvPr>
+          <p:cNvSpPr txBox="1"/>
+          <p:nvPr/>
+        </p:nvSpPr>
+        <p:spPr>
+          <a:xfrm>
+            <a:off x="838200" y="6098506"/>
+            <a:ext cx="10985500" cy="261610"/>
+          </a:xfrm>
+          <a:prstGeom prst="rect">
+            <a:avLst/>
+          </a:prstGeom>
+          <a:noFill/>
+        </p:spPr>
+        <p:txBody>
+          <a:bodyPr wrap="square" rtlCol="0">
+            <a:spAutoFit/>
+          </a:bodyPr>
+          <a:lstStyle/>
+          <a:p>
+            <a:r>
+              <a:rPr lang="en-US" sz="1100" dirty="0" err="1"/>
+              <a:t>Krugmann</a:t>
+            </a:r>
+            <a:r>
+              <a:rPr lang="en-US" sz="1100" dirty="0"/>
+              <a:t>, Jan Ole, and Jochen Hartmann. "Sentiment Analysis in the Age of Generative AI." Customer Needs and Solutions (2024): 1-19. doi:10.1007/s40547-024-00143-4.</a:t>
+            </a:r>
+          </a:p>
+        </p:txBody>
+      </p:sp>
+    </p:spTree>
+    <p:extLst>
+      <p:ext uri="{BB962C8B-B14F-4D97-AF65-F5344CB8AC3E}">
+        <p14:creationId xmlns:p14="http://schemas.microsoft.com/office/powerpoint/2010/main" val="3943509085"/>
       </p:ext>
     </p:extLst>
   </p:cSld>
